--- a/lectures/DJ-03-Many-To-Many.pptx
+++ b/lectures/DJ-03-Many-To-Many.pptx
@@ -207,7 +207,7 @@
           <a:p>
             <a:fld id="{C97B56FC-7D2E-F343-9D09-0D14B00AA564}" type="datetimeFigureOut">
               <a:rPr lang="en-US" smtClean="0"/>
-              <a:t>3/14/19</a:t>
+              <a:t>3/15/19</a:t>
             </a:fld>
             <a:endParaRPr lang="en-US"/>
           </a:p>
@@ -1373,7 +1373,7 @@
           <a:p>
             <a:fld id="{EEE7C04C-7AF8-1445-A186-502B631B934F}" type="datetimeFigureOut">
               <a:rPr lang="en-US" smtClean="0"/>
-              <a:t>3/14/19</a:t>
+              <a:t>3/15/19</a:t>
             </a:fld>
             <a:endParaRPr lang="en-US"/>
           </a:p>
@@ -1538,7 +1538,7 @@
           <a:p>
             <a:fld id="{EEE7C04C-7AF8-1445-A186-502B631B934F}" type="datetimeFigureOut">
               <a:rPr lang="en-US" smtClean="0"/>
-              <a:t>3/14/19</a:t>
+              <a:t>3/15/19</a:t>
             </a:fld>
             <a:endParaRPr lang="en-US"/>
           </a:p>
@@ -1713,7 +1713,7 @@
           <a:p>
             <a:fld id="{EEE7C04C-7AF8-1445-A186-502B631B934F}" type="datetimeFigureOut">
               <a:rPr lang="en-US" smtClean="0"/>
-              <a:t>3/14/19</a:t>
+              <a:t>3/15/19</a:t>
             </a:fld>
             <a:endParaRPr lang="en-US"/>
           </a:p>
@@ -1878,7 +1878,7 @@
           <a:p>
             <a:fld id="{EEE7C04C-7AF8-1445-A186-502B631B934F}" type="datetimeFigureOut">
               <a:rPr lang="en-US" smtClean="0"/>
-              <a:t>3/14/19</a:t>
+              <a:t>3/15/19</a:t>
             </a:fld>
             <a:endParaRPr lang="en-US"/>
           </a:p>
@@ -2119,7 +2119,7 @@
           <a:p>
             <a:fld id="{EEE7C04C-7AF8-1445-A186-502B631B934F}" type="datetimeFigureOut">
               <a:rPr lang="en-US" smtClean="0"/>
-              <a:t>3/14/19</a:t>
+              <a:t>3/15/19</a:t>
             </a:fld>
             <a:endParaRPr lang="en-US"/>
           </a:p>
@@ -2346,7 +2346,7 @@
           <a:p>
             <a:fld id="{EEE7C04C-7AF8-1445-A186-502B631B934F}" type="datetimeFigureOut">
               <a:rPr lang="en-US" smtClean="0"/>
-              <a:t>3/14/19</a:t>
+              <a:t>3/15/19</a:t>
             </a:fld>
             <a:endParaRPr lang="en-US"/>
           </a:p>
@@ -2708,7 +2708,7 @@
           <a:p>
             <a:fld id="{EEE7C04C-7AF8-1445-A186-502B631B934F}" type="datetimeFigureOut">
               <a:rPr lang="en-US" smtClean="0"/>
-              <a:t>3/14/19</a:t>
+              <a:t>3/15/19</a:t>
             </a:fld>
             <a:endParaRPr lang="en-US"/>
           </a:p>
@@ -2821,7 +2821,7 @@
           <a:p>
             <a:fld id="{EEE7C04C-7AF8-1445-A186-502B631B934F}" type="datetimeFigureOut">
               <a:rPr lang="en-US" smtClean="0"/>
-              <a:t>3/14/19</a:t>
+              <a:t>3/15/19</a:t>
             </a:fld>
             <a:endParaRPr lang="en-US"/>
           </a:p>
@@ -2911,7 +2911,7 @@
           <a:p>
             <a:fld id="{EEE7C04C-7AF8-1445-A186-502B631B934F}" type="datetimeFigureOut">
               <a:rPr lang="en-US" smtClean="0"/>
-              <a:t>3/14/19</a:t>
+              <a:t>3/15/19</a:t>
             </a:fld>
             <a:endParaRPr lang="en-US"/>
           </a:p>
@@ -3183,7 +3183,7 @@
           <a:p>
             <a:fld id="{EEE7C04C-7AF8-1445-A186-502B631B934F}" type="datetimeFigureOut">
               <a:rPr lang="en-US" smtClean="0"/>
-              <a:t>3/14/19</a:t>
+              <a:t>3/15/19</a:t>
             </a:fld>
             <a:endParaRPr lang="en-US"/>
           </a:p>
@@ -3435,7 +3435,7 @@
           <a:p>
             <a:fld id="{EEE7C04C-7AF8-1445-A186-502B631B934F}" type="datetimeFigureOut">
               <a:rPr lang="en-US" smtClean="0"/>
-              <a:t>3/14/19</a:t>
+              <a:t>3/15/19</a:t>
             </a:fld>
             <a:endParaRPr lang="en-US"/>
           </a:p>
@@ -3643,7 +3643,7 @@
           <a:p>
             <a:fld id="{EEE7C04C-7AF8-1445-A186-502B631B934F}" type="datetimeFigureOut">
               <a:rPr lang="en-US" smtClean="0"/>
-              <a:t>3/14/19</a:t>
+              <a:t>3/15/19</a:t>
             </a:fld>
             <a:endParaRPr lang="en-US"/>
           </a:p>
@@ -4061,10 +4061,10 @@
           <p:cNvPr id="10" name="Rectangle 9">
             <a:extLst>
               <a:ext uri="{FF2B5EF4-FFF2-40B4-BE49-F238E27FC236}">
-                <a16:creationId xmlns="" xmlns:a16="http://schemas.microsoft.com/office/drawing/2014/main" id="{E20EB187-900F-4AF5-813B-101456D9FD39}"/>
+                <a16:creationId xmlns:a16="http://schemas.microsoft.com/office/drawing/2014/main" xmlns="" id="{E20EB187-900F-4AF5-813B-101456D9FD39}"/>
               </a:ext>
               <a:ext uri="{C183D7F6-B498-43B3-948B-1728B52AA6E4}">
-                <adec:decorative xmlns="" xmlns:adec="http://schemas.microsoft.com/office/drawing/2017/decorative" val="1"/>
+                <adec:decorative xmlns:adec="http://schemas.microsoft.com/office/drawing/2017/decorative" xmlns="" val="1"/>
               </a:ext>
             </a:extLst>
           </p:cNvPr>
@@ -4245,10 +4245,10 @@
           <p:cNvPr id="12" name="Straight Connector 11">
             <a:extLst>
               <a:ext uri="{FF2B5EF4-FFF2-40B4-BE49-F238E27FC236}">
-                <a16:creationId xmlns="" xmlns:a16="http://schemas.microsoft.com/office/drawing/2014/main" id="{624D17C8-E9C2-48A4-AA36-D7048A6CCC41}"/>
+                <a16:creationId xmlns:a16="http://schemas.microsoft.com/office/drawing/2014/main" xmlns="" id="{624D17C8-E9C2-48A4-AA36-D7048A6CCC41}"/>
               </a:ext>
               <a:ext uri="{C183D7F6-B498-43B3-948B-1728B52AA6E4}">
-                <adec:decorative xmlns="" xmlns:adec="http://schemas.microsoft.com/office/drawing/2017/decorative" val="1"/>
+                <adec:decorative xmlns:adec="http://schemas.microsoft.com/office/drawing/2017/decorative" xmlns="" val="1"/>
               </a:ext>
             </a:extLst>
           </p:cNvPr>
@@ -4426,8 +4426,12 @@
               <a:t>Demo Batch </a:t>
             </a:r>
             <a:r>
-              <a:rPr lang="en-US" dirty="0" smtClean="0"/>
-              <a:t>Loading CSV</a:t>
+              <a:rPr lang="en-US" smtClean="0"/>
+              <a:t>Loading </a:t>
+            </a:r>
+            <a:r>
+              <a:rPr lang="en-US" smtClean="0"/>
+              <a:t>from CSV</a:t>
             </a:r>
             <a:endParaRPr lang="en-US" dirty="0"/>
           </a:p>
@@ -13875,7 +13879,7 @@
         <p:spPr>
           <a:xfrm>
             <a:off x="838200" y="1581157"/>
-            <a:ext cx="9389109" cy="3970318"/>
+            <a:ext cx="9389109" cy="4247317"/>
           </a:xfrm>
           <a:prstGeom prst="rect">
             <a:avLst/>
@@ -14045,20 +14049,34 @@
             </a:r>
           </a:p>
           <a:p>
+            <a:endParaRPr lang="en-US" dirty="0" smtClean="0">
+              <a:latin typeface="Menlo-Regular" charset="0"/>
+            </a:endParaRPr>
+          </a:p>
+          <a:p>
+            <a:r>
+              <a:rPr lang="en-US" dirty="0" smtClean="0">
+                <a:latin typeface="Menlo-Regular" charset="0"/>
+              </a:rPr>
+              <a:t>&gt;&gt;&gt;</a:t>
+            </a:r>
+            <a:r>
+              <a:rPr lang="en-US" dirty="0" smtClean="0">
+                <a:solidFill>
+                  <a:srgbClr val="FF7F00"/>
+                </a:solidFill>
+                <a:latin typeface="Menlo-Regular" charset="0"/>
+              </a:rPr>
+              <a:t> </a:t>
+            </a:r>
             <a:r>
               <a:rPr lang="en-US" dirty="0">
+                <a:solidFill>
+                  <a:srgbClr val="FF7F00"/>
+                </a:solidFill>
                 <a:latin typeface="Menlo-Regular" charset="0"/>
               </a:rPr>
-              <a:t>&gt;&gt;&gt;</a:t>
-            </a:r>
-            <a:r>
-              <a:rPr lang="en-US" dirty="0">
-                <a:solidFill>
-                  <a:srgbClr val="FF7F00"/>
-                </a:solidFill>
-                <a:latin typeface="Menlo-Regular" charset="0"/>
-              </a:rPr>
-              <a:t> m = Membership(role=</a:t>
+              <a:t>m = Membership(role=</a:t>
             </a:r>
             <a:r>
               <a:rPr lang="en-US" dirty="0" err="1">

--- a/lectures/DJ-03-Many-To-Many.pptx
+++ b/lectures/DJ-03-Many-To-Many.pptx
@@ -4061,10 +4061,10 @@
           <p:cNvPr id="10" name="Rectangle 9">
             <a:extLst>
               <a:ext uri="{FF2B5EF4-FFF2-40B4-BE49-F238E27FC236}">
-                <a16:creationId xmlns:a16="http://schemas.microsoft.com/office/drawing/2014/main" xmlns="" id="{E20EB187-900F-4AF5-813B-101456D9FD39}"/>
+                <a16:creationId xmlns="" xmlns:a16="http://schemas.microsoft.com/office/drawing/2014/main" id="{E20EB187-900F-4AF5-813B-101456D9FD39}"/>
               </a:ext>
               <a:ext uri="{C183D7F6-B498-43B3-948B-1728B52AA6E4}">
-                <adec:decorative xmlns:adec="http://schemas.microsoft.com/office/drawing/2017/decorative" xmlns="" val="1"/>
+                <adec:decorative xmlns="" xmlns:adec="http://schemas.microsoft.com/office/drawing/2017/decorative" val="1"/>
               </a:ext>
             </a:extLst>
           </p:cNvPr>
@@ -4245,10 +4245,10 @@
           <p:cNvPr id="12" name="Straight Connector 11">
             <a:extLst>
               <a:ext uri="{FF2B5EF4-FFF2-40B4-BE49-F238E27FC236}">
-                <a16:creationId xmlns:a16="http://schemas.microsoft.com/office/drawing/2014/main" xmlns="" id="{624D17C8-E9C2-48A4-AA36-D7048A6CCC41}"/>
+                <a16:creationId xmlns="" xmlns:a16="http://schemas.microsoft.com/office/drawing/2014/main" id="{624D17C8-E9C2-48A4-AA36-D7048A6CCC41}"/>
               </a:ext>
               <a:ext uri="{C183D7F6-B498-43B3-948B-1728B52AA6E4}">
-                <adec:decorative xmlns:adec="http://schemas.microsoft.com/office/drawing/2017/decorative" xmlns="" val="1"/>
+                <adec:decorative xmlns="" xmlns:adec="http://schemas.microsoft.com/office/drawing/2017/decorative" val="1"/>
               </a:ext>
             </a:extLst>
           </p:cNvPr>
@@ -4356,6 +4356,13 @@
   <p:clrMapOvr>
     <a:masterClrMapping/>
   </p:clrMapOvr>
+  <p:timing>
+    <p:tnLst>
+      <p:par>
+        <p:cTn id="1" dur="indefinite" restart="never" nodeType="tmRoot"/>
+      </p:par>
+    </p:tnLst>
+  </p:timing>
 </p:sld>
 </file>
 
@@ -4427,11 +4434,7 @@
             </a:r>
             <a:r>
               <a:rPr lang="en-US" smtClean="0"/>
-              <a:t>Loading </a:t>
-            </a:r>
-            <a:r>
-              <a:rPr lang="en-US" smtClean="0"/>
-              <a:t>from CSV</a:t>
+              <a:t>Loading from CSV</a:t>
             </a:r>
             <a:endParaRPr lang="en-US" dirty="0"/>
           </a:p>
@@ -4477,6 +4480,13 @@
   <p:clrMapOvr>
     <a:masterClrMapping/>
   </p:clrMapOvr>
+  <p:timing>
+    <p:tnLst>
+      <p:par>
+        <p:cTn id="1" dur="indefinite" restart="never" nodeType="tmRoot"/>
+      </p:par>
+    </p:tnLst>
+  </p:timing>
 </p:sld>
 </file>
 
@@ -5225,6 +5235,13 @@
   <p:clrMapOvr>
     <a:masterClrMapping/>
   </p:clrMapOvr>
+  <p:timing>
+    <p:tnLst>
+      <p:par>
+        <p:cTn id="1" dur="indefinite" restart="never" nodeType="tmRoot"/>
+      </p:par>
+    </p:tnLst>
+  </p:timing>
 </p:sld>
 </file>
 
@@ -7698,14 +7715,24 @@
               <a:defRPr/>
             </a:pPr>
             <a:r>
-              <a:rPr lang="en-US" altLang="en-US" sz="3000" dirty="0" err="1">
+              <a:rPr lang="en-US" altLang="en-US" sz="3000" dirty="0" err="1" smtClean="0">
                 <a:solidFill>
                   <a:srgbClr val="FF00FF"/>
                 </a:solidFill>
                 <a:latin typeface="Gill Sans Regular" charset="0"/>
                 <a:sym typeface="Cabin" charset="0"/>
               </a:rPr>
-              <a:t>account_id</a:t>
+              <a:t>person</a:t>
+            </a:r>
+            <a:r>
+              <a:rPr lang="en-US" altLang="en-US" sz="3000" dirty="0" err="1" smtClean="0">
+                <a:solidFill>
+                  <a:srgbClr val="FF00FF"/>
+                </a:solidFill>
+                <a:latin typeface="Gill Sans Regular" charset="0"/>
+                <a:sym typeface="Cabin" charset="0"/>
+              </a:rPr>
+              <a:t>_id</a:t>
             </a:r>
             <a:endParaRPr lang="en-US" altLang="en-US" sz="3000" dirty="0">
               <a:solidFill>
@@ -8051,15 +8078,22 @@
               <a:defRPr/>
             </a:pPr>
             <a:r>
-              <a:rPr lang="en-US" altLang="en-US" sz="3000" dirty="0">
+              <a:rPr lang="en-US" altLang="en-US" sz="3000" dirty="0" smtClean="0">
                 <a:solidFill>
                   <a:srgbClr val="000000"/>
                 </a:solidFill>
                 <a:latin typeface="Gill Sans Regular" charset="0"/>
                 <a:sym typeface="Cabin" charset="0"/>
               </a:rPr>
-              <a:t>Account</a:t>
-            </a:r>
+              <a:t>Person</a:t>
+            </a:r>
+            <a:endParaRPr lang="en-US" altLang="en-US" sz="3000" dirty="0">
+              <a:solidFill>
+                <a:srgbClr val="000000"/>
+              </a:solidFill>
+              <a:latin typeface="Gill Sans Regular" charset="0"/>
+              <a:sym typeface="Cabin" charset="0"/>
+            </a:endParaRPr>
           </a:p>
         </p:txBody>
       </p:sp>
@@ -11188,6 +11222,360 @@
           </a:p>
         </p:txBody>
       </p:sp>
+      <p:sp>
+        <p:nvSpPr>
+          <p:cNvPr id="31" name="Shape 615"/>
+          <p:cNvSpPr txBox="1">
+            <a:spLocks noChangeArrowheads="1"/>
+          </p:cNvSpPr>
+          <p:nvPr/>
+        </p:nvSpPr>
+        <p:spPr bwMode="auto">
+          <a:xfrm>
+            <a:off x="860424" y="4687888"/>
+            <a:ext cx="1809751" cy="571500"/>
+          </a:xfrm>
+          <a:prstGeom prst="rect">
+            <a:avLst/>
+          </a:prstGeom>
+          <a:noFill/>
+          <a:ln w="88900" cap="rnd">
+            <a:solidFill>
+              <a:srgbClr val="FFFF00"/>
+            </a:solidFill>
+            <a:miter lim="800000"/>
+            <a:headEnd/>
+            <a:tailEnd/>
+          </a:ln>
+          <a:extLst>
+            <a:ext uri="{909E8E84-426E-40dd-AFC4-6F175D3DCCD1}"/>
+          </a:extLst>
+        </p:spPr>
+        <p:txBody>
+          <a:bodyPr lIns="0" tIns="0" rIns="0" bIns="0" anchor="ctr"/>
+          <a:lstStyle>
+            <a:lvl1pPr eaLnBrk="0" hangingPunct="0">
+              <a:defRPr sz="3600">
+                <a:solidFill>
+                  <a:srgbClr val="FFFFFF"/>
+                </a:solidFill>
+                <a:latin typeface="Gill Sans" charset="0"/>
+                <a:ea typeface="ヒラギノ角ゴ ProN W3" charset="-128"/>
+                <a:sym typeface="Gill Sans" charset="0"/>
+              </a:defRPr>
+            </a:lvl1pPr>
+            <a:lvl2pPr marL="742950" indent="-285750" eaLnBrk="0" hangingPunct="0">
+              <a:defRPr sz="3600">
+                <a:solidFill>
+                  <a:srgbClr val="FFFFFF"/>
+                </a:solidFill>
+                <a:latin typeface="Gill Sans" charset="0"/>
+                <a:ea typeface="ヒラギノ角ゴ ProN W3" charset="-128"/>
+                <a:sym typeface="Gill Sans" charset="0"/>
+              </a:defRPr>
+            </a:lvl2pPr>
+            <a:lvl3pPr marL="1143000" indent="-228600" eaLnBrk="0" hangingPunct="0">
+              <a:defRPr sz="3600">
+                <a:solidFill>
+                  <a:srgbClr val="FFFFFF"/>
+                </a:solidFill>
+                <a:latin typeface="Gill Sans" charset="0"/>
+                <a:ea typeface="ヒラギノ角ゴ ProN W3" charset="-128"/>
+                <a:sym typeface="Gill Sans" charset="0"/>
+              </a:defRPr>
+            </a:lvl3pPr>
+            <a:lvl4pPr marL="1600200" indent="-228600" eaLnBrk="0" hangingPunct="0">
+              <a:defRPr sz="3600">
+                <a:solidFill>
+                  <a:srgbClr val="FFFFFF"/>
+                </a:solidFill>
+                <a:latin typeface="Gill Sans" charset="0"/>
+                <a:ea typeface="ヒラギノ角ゴ ProN W3" charset="-128"/>
+                <a:sym typeface="Gill Sans" charset="0"/>
+              </a:defRPr>
+            </a:lvl4pPr>
+            <a:lvl5pPr marL="2057400" indent="-228600" eaLnBrk="0" hangingPunct="0">
+              <a:defRPr sz="3600">
+                <a:solidFill>
+                  <a:srgbClr val="FFFFFF"/>
+                </a:solidFill>
+                <a:latin typeface="Gill Sans" charset="0"/>
+                <a:ea typeface="ヒラギノ角ゴ ProN W3" charset="-128"/>
+                <a:sym typeface="Gill Sans" charset="0"/>
+              </a:defRPr>
+            </a:lvl5pPr>
+            <a:lvl6pPr marL="2514600" indent="-228600" algn="ctr" eaLnBrk="0" fontAlgn="base" hangingPunct="0">
+              <a:spcBef>
+                <a:spcPct val="0"/>
+              </a:spcBef>
+              <a:spcAft>
+                <a:spcPct val="0"/>
+              </a:spcAft>
+              <a:defRPr sz="3600">
+                <a:solidFill>
+                  <a:srgbClr val="FFFFFF"/>
+                </a:solidFill>
+                <a:latin typeface="Gill Sans" charset="0"/>
+                <a:ea typeface="ヒラギノ角ゴ ProN W3" charset="-128"/>
+                <a:sym typeface="Gill Sans" charset="0"/>
+              </a:defRPr>
+            </a:lvl6pPr>
+            <a:lvl7pPr marL="2971800" indent="-228600" algn="ctr" eaLnBrk="0" fontAlgn="base" hangingPunct="0">
+              <a:spcBef>
+                <a:spcPct val="0"/>
+              </a:spcBef>
+              <a:spcAft>
+                <a:spcPct val="0"/>
+              </a:spcAft>
+              <a:defRPr sz="3600">
+                <a:solidFill>
+                  <a:srgbClr val="FFFFFF"/>
+                </a:solidFill>
+                <a:latin typeface="Gill Sans" charset="0"/>
+                <a:ea typeface="ヒラギノ角ゴ ProN W3" charset="-128"/>
+                <a:sym typeface="Gill Sans" charset="0"/>
+              </a:defRPr>
+            </a:lvl7pPr>
+            <a:lvl8pPr marL="3429000" indent="-228600" algn="ctr" eaLnBrk="0" fontAlgn="base" hangingPunct="0">
+              <a:spcBef>
+                <a:spcPct val="0"/>
+              </a:spcBef>
+              <a:spcAft>
+                <a:spcPct val="0"/>
+              </a:spcAft>
+              <a:defRPr sz="3600">
+                <a:solidFill>
+                  <a:srgbClr val="FFFFFF"/>
+                </a:solidFill>
+                <a:latin typeface="Gill Sans" charset="0"/>
+                <a:ea typeface="ヒラギノ角ゴ ProN W3" charset="-128"/>
+                <a:sym typeface="Gill Sans" charset="0"/>
+              </a:defRPr>
+            </a:lvl8pPr>
+            <a:lvl9pPr marL="3886200" indent="-228600" algn="ctr" eaLnBrk="0" fontAlgn="base" hangingPunct="0">
+              <a:spcBef>
+                <a:spcPct val="0"/>
+              </a:spcBef>
+              <a:spcAft>
+                <a:spcPct val="0"/>
+              </a:spcAft>
+              <a:defRPr sz="3600">
+                <a:solidFill>
+                  <a:srgbClr val="FFFFFF"/>
+                </a:solidFill>
+                <a:latin typeface="Gill Sans" charset="0"/>
+                <a:ea typeface="ヒラギノ角ゴ ProN W3" charset="-128"/>
+                <a:sym typeface="Gill Sans" charset="0"/>
+              </a:defRPr>
+            </a:lvl9pPr>
+          </a:lstStyle>
+          <a:p>
+            <a:pPr algn="ctr" eaLnBrk="1" hangingPunct="1">
+              <a:buClr>
+                <a:srgbClr val="00FF00"/>
+              </a:buClr>
+              <a:buSzPct val="25000"/>
+              <a:buFont typeface="Cabin" charset="0"/>
+              <a:buNone/>
+              <a:defRPr/>
+            </a:pPr>
+            <a:r>
+              <a:rPr lang="en-US" altLang="en-US" sz="2400" i="1" dirty="0" smtClean="0">
+                <a:solidFill>
+                  <a:srgbClr val="FF40FF"/>
+                </a:solidFill>
+                <a:latin typeface="Gill Sans Regular" charset="0"/>
+                <a:sym typeface="Cabin" charset="0"/>
+              </a:rPr>
+              <a:t>members</a:t>
+            </a:r>
+            <a:endParaRPr lang="en-US" altLang="en-US" sz="2400" i="1" dirty="0">
+              <a:solidFill>
+                <a:srgbClr val="FF40FF"/>
+              </a:solidFill>
+              <a:latin typeface="Gill Sans Regular" charset="0"/>
+              <a:sym typeface="Cabin" charset="0"/>
+            </a:endParaRPr>
+          </a:p>
+        </p:txBody>
+      </p:sp>
+      <p:sp>
+        <p:nvSpPr>
+          <p:cNvPr id="32" name="Shape 615"/>
+          <p:cNvSpPr txBox="1">
+            <a:spLocks noChangeArrowheads="1"/>
+          </p:cNvSpPr>
+          <p:nvPr/>
+        </p:nvSpPr>
+        <p:spPr bwMode="auto">
+          <a:xfrm>
+            <a:off x="9645117" y="5008562"/>
+            <a:ext cx="1809751" cy="571500"/>
+          </a:xfrm>
+          <a:prstGeom prst="rect">
+            <a:avLst/>
+          </a:prstGeom>
+          <a:noFill/>
+          <a:ln w="88900" cap="rnd">
+            <a:solidFill>
+              <a:srgbClr val="FFFF00"/>
+            </a:solidFill>
+            <a:miter lim="800000"/>
+            <a:headEnd/>
+            <a:tailEnd/>
+          </a:ln>
+          <a:extLst>
+            <a:ext uri="{909E8E84-426E-40dd-AFC4-6F175D3DCCD1}"/>
+          </a:extLst>
+        </p:spPr>
+        <p:txBody>
+          <a:bodyPr lIns="0" tIns="0" rIns="0" bIns="0" anchor="ctr"/>
+          <a:lstStyle>
+            <a:lvl1pPr eaLnBrk="0" hangingPunct="0">
+              <a:defRPr sz="3600">
+                <a:solidFill>
+                  <a:srgbClr val="FFFFFF"/>
+                </a:solidFill>
+                <a:latin typeface="Gill Sans" charset="0"/>
+                <a:ea typeface="ヒラギノ角ゴ ProN W3" charset="-128"/>
+                <a:sym typeface="Gill Sans" charset="0"/>
+              </a:defRPr>
+            </a:lvl1pPr>
+            <a:lvl2pPr marL="742950" indent="-285750" eaLnBrk="0" hangingPunct="0">
+              <a:defRPr sz="3600">
+                <a:solidFill>
+                  <a:srgbClr val="FFFFFF"/>
+                </a:solidFill>
+                <a:latin typeface="Gill Sans" charset="0"/>
+                <a:ea typeface="ヒラギノ角ゴ ProN W3" charset="-128"/>
+                <a:sym typeface="Gill Sans" charset="0"/>
+              </a:defRPr>
+            </a:lvl2pPr>
+            <a:lvl3pPr marL="1143000" indent="-228600" eaLnBrk="0" hangingPunct="0">
+              <a:defRPr sz="3600">
+                <a:solidFill>
+                  <a:srgbClr val="FFFFFF"/>
+                </a:solidFill>
+                <a:latin typeface="Gill Sans" charset="0"/>
+                <a:ea typeface="ヒラギノ角ゴ ProN W3" charset="-128"/>
+                <a:sym typeface="Gill Sans" charset="0"/>
+              </a:defRPr>
+            </a:lvl3pPr>
+            <a:lvl4pPr marL="1600200" indent="-228600" eaLnBrk="0" hangingPunct="0">
+              <a:defRPr sz="3600">
+                <a:solidFill>
+                  <a:srgbClr val="FFFFFF"/>
+                </a:solidFill>
+                <a:latin typeface="Gill Sans" charset="0"/>
+                <a:ea typeface="ヒラギノ角ゴ ProN W3" charset="-128"/>
+                <a:sym typeface="Gill Sans" charset="0"/>
+              </a:defRPr>
+            </a:lvl4pPr>
+            <a:lvl5pPr marL="2057400" indent="-228600" eaLnBrk="0" hangingPunct="0">
+              <a:defRPr sz="3600">
+                <a:solidFill>
+                  <a:srgbClr val="FFFFFF"/>
+                </a:solidFill>
+                <a:latin typeface="Gill Sans" charset="0"/>
+                <a:ea typeface="ヒラギノ角ゴ ProN W3" charset="-128"/>
+                <a:sym typeface="Gill Sans" charset="0"/>
+              </a:defRPr>
+            </a:lvl5pPr>
+            <a:lvl6pPr marL="2514600" indent="-228600" algn="ctr" eaLnBrk="0" fontAlgn="base" hangingPunct="0">
+              <a:spcBef>
+                <a:spcPct val="0"/>
+              </a:spcBef>
+              <a:spcAft>
+                <a:spcPct val="0"/>
+              </a:spcAft>
+              <a:defRPr sz="3600">
+                <a:solidFill>
+                  <a:srgbClr val="FFFFFF"/>
+                </a:solidFill>
+                <a:latin typeface="Gill Sans" charset="0"/>
+                <a:ea typeface="ヒラギノ角ゴ ProN W3" charset="-128"/>
+                <a:sym typeface="Gill Sans" charset="0"/>
+              </a:defRPr>
+            </a:lvl6pPr>
+            <a:lvl7pPr marL="2971800" indent="-228600" algn="ctr" eaLnBrk="0" fontAlgn="base" hangingPunct="0">
+              <a:spcBef>
+                <a:spcPct val="0"/>
+              </a:spcBef>
+              <a:spcAft>
+                <a:spcPct val="0"/>
+              </a:spcAft>
+              <a:defRPr sz="3600">
+                <a:solidFill>
+                  <a:srgbClr val="FFFFFF"/>
+                </a:solidFill>
+                <a:latin typeface="Gill Sans" charset="0"/>
+                <a:ea typeface="ヒラギノ角ゴ ProN W3" charset="-128"/>
+                <a:sym typeface="Gill Sans" charset="0"/>
+              </a:defRPr>
+            </a:lvl7pPr>
+            <a:lvl8pPr marL="3429000" indent="-228600" algn="ctr" eaLnBrk="0" fontAlgn="base" hangingPunct="0">
+              <a:spcBef>
+                <a:spcPct val="0"/>
+              </a:spcBef>
+              <a:spcAft>
+                <a:spcPct val="0"/>
+              </a:spcAft>
+              <a:defRPr sz="3600">
+                <a:solidFill>
+                  <a:srgbClr val="FFFFFF"/>
+                </a:solidFill>
+                <a:latin typeface="Gill Sans" charset="0"/>
+                <a:ea typeface="ヒラギノ角ゴ ProN W3" charset="-128"/>
+                <a:sym typeface="Gill Sans" charset="0"/>
+              </a:defRPr>
+            </a:lvl8pPr>
+            <a:lvl9pPr marL="3886200" indent="-228600" algn="ctr" eaLnBrk="0" fontAlgn="base" hangingPunct="0">
+              <a:spcBef>
+                <a:spcPct val="0"/>
+              </a:spcBef>
+              <a:spcAft>
+                <a:spcPct val="0"/>
+              </a:spcAft>
+              <a:defRPr sz="3600">
+                <a:solidFill>
+                  <a:srgbClr val="FFFFFF"/>
+                </a:solidFill>
+                <a:latin typeface="Gill Sans" charset="0"/>
+                <a:ea typeface="ヒラギノ角ゴ ProN W3" charset="-128"/>
+                <a:sym typeface="Gill Sans" charset="0"/>
+              </a:defRPr>
+            </a:lvl9pPr>
+          </a:lstStyle>
+          <a:p>
+            <a:pPr algn="ctr" eaLnBrk="1" hangingPunct="1">
+              <a:buClr>
+                <a:srgbClr val="00FF00"/>
+              </a:buClr>
+              <a:buSzPct val="25000"/>
+              <a:buFont typeface="Cabin" charset="0"/>
+              <a:buNone/>
+              <a:defRPr/>
+            </a:pPr>
+            <a:r>
+              <a:rPr lang="en-US" altLang="en-US" sz="2400" i="1" dirty="0" err="1" smtClean="0">
+                <a:solidFill>
+                  <a:srgbClr val="FF40FF"/>
+                </a:solidFill>
+                <a:latin typeface="Gill Sans Regular" charset="0"/>
+                <a:sym typeface="Cabin" charset="0"/>
+              </a:rPr>
+              <a:t>course_set</a:t>
+            </a:r>
+            <a:endParaRPr lang="en-US" altLang="en-US" sz="2400" i="1" dirty="0">
+              <a:solidFill>
+                <a:srgbClr val="FF40FF"/>
+              </a:solidFill>
+              <a:latin typeface="Gill Sans Regular" charset="0"/>
+              <a:sym typeface="Cabin" charset="0"/>
+            </a:endParaRPr>
+          </a:p>
+        </p:txBody>
+      </p:sp>
     </p:spTree>
     <p:extLst>
       <p:ext uri="{BB962C8B-B14F-4D97-AF65-F5344CB8AC3E}">
@@ -12200,6 +12588,13 @@
   <p:clrMapOvr>
     <a:masterClrMapping/>
   </p:clrMapOvr>
+  <p:timing>
+    <p:tnLst>
+      <p:par>
+        <p:cTn id="1" dur="indefinite" restart="never" nodeType="tmRoot"/>
+      </p:par>
+    </p:tnLst>
+  </p:timing>
 </p:sld>
 </file>
 
@@ -12229,7 +12624,7 @@
         <p:spPr>
           <a:xfrm>
             <a:off x="1396139" y="257175"/>
-            <a:ext cx="9313768" cy="6124754"/>
+            <a:ext cx="9313768" cy="5909310"/>
           </a:xfrm>
           <a:prstGeom prst="rect">
             <a:avLst/>
@@ -12313,6 +12708,417 @@
           </a:p>
           <a:p>
             <a:r>
+              <a:rPr lang="en-US" sz="1400" b="1" dirty="0">
+                <a:solidFill>
+                  <a:srgbClr val="000000"/>
+                </a:solidFill>
+                <a:latin typeface="Courier" charset="0"/>
+                <a:ea typeface="Courier" charset="0"/>
+                <a:cs typeface="Courier" charset="0"/>
+              </a:rPr>
+              <a:t> </a:t>
+            </a:r>
+            <a:r>
+              <a:rPr lang="en-US" sz="1400" b="1" dirty="0" smtClean="0">
+                <a:solidFill>
+                  <a:srgbClr val="000000"/>
+                </a:solidFill>
+                <a:latin typeface="Courier" charset="0"/>
+                <a:ea typeface="Courier" charset="0"/>
+                <a:cs typeface="Courier" charset="0"/>
+              </a:rPr>
+              <a:t>   person </a:t>
+            </a:r>
+            <a:r>
+              <a:rPr lang="en-US" sz="1400" b="1" dirty="0">
+                <a:solidFill>
+                  <a:srgbClr val="000000"/>
+                </a:solidFill>
+                <a:latin typeface="Courier" charset="0"/>
+                <a:ea typeface="Courier" charset="0"/>
+                <a:cs typeface="Courier" charset="0"/>
+              </a:rPr>
+              <a:t>= </a:t>
+            </a:r>
+            <a:r>
+              <a:rPr lang="en-US" sz="1400" b="1" dirty="0" err="1">
+                <a:solidFill>
+                  <a:srgbClr val="000000"/>
+                </a:solidFill>
+                <a:latin typeface="Courier" charset="0"/>
+                <a:ea typeface="Courier" charset="0"/>
+                <a:cs typeface="Courier" charset="0"/>
+              </a:rPr>
+              <a:t>models.ForeignKey</a:t>
+            </a:r>
+            <a:r>
+              <a:rPr lang="en-US" sz="1400" b="1" dirty="0">
+                <a:solidFill>
+                  <a:srgbClr val="000000"/>
+                </a:solidFill>
+                <a:latin typeface="Courier" charset="0"/>
+                <a:ea typeface="Courier" charset="0"/>
+                <a:cs typeface="Courier" charset="0"/>
+              </a:rPr>
+              <a:t>(Person, </a:t>
+            </a:r>
+            <a:r>
+              <a:rPr lang="en-US" sz="1400" b="1" dirty="0" err="1">
+                <a:solidFill>
+                  <a:srgbClr val="000000"/>
+                </a:solidFill>
+                <a:latin typeface="Courier" charset="0"/>
+                <a:ea typeface="Courier" charset="0"/>
+                <a:cs typeface="Courier" charset="0"/>
+              </a:rPr>
+              <a:t>on_delete</a:t>
+            </a:r>
+            <a:r>
+              <a:rPr lang="en-US" sz="1400" b="1" dirty="0">
+                <a:solidFill>
+                  <a:srgbClr val="000000"/>
+                </a:solidFill>
+                <a:latin typeface="Courier" charset="0"/>
+                <a:ea typeface="Courier" charset="0"/>
+                <a:cs typeface="Courier" charset="0"/>
+              </a:rPr>
+              <a:t>=</a:t>
+            </a:r>
+            <a:r>
+              <a:rPr lang="en-US" sz="1400" b="1" dirty="0" err="1">
+                <a:solidFill>
+                  <a:srgbClr val="000000"/>
+                </a:solidFill>
+                <a:latin typeface="Courier" charset="0"/>
+                <a:ea typeface="Courier" charset="0"/>
+                <a:cs typeface="Courier" charset="0"/>
+              </a:rPr>
+              <a:t>models.CASCADE</a:t>
+            </a:r>
+            <a:r>
+              <a:rPr lang="en-US" sz="1400" b="1" dirty="0">
+                <a:solidFill>
+                  <a:srgbClr val="000000"/>
+                </a:solidFill>
+                <a:latin typeface="Courier" charset="0"/>
+                <a:ea typeface="Courier" charset="0"/>
+                <a:cs typeface="Courier" charset="0"/>
+              </a:rPr>
+              <a:t>)</a:t>
+            </a:r>
+          </a:p>
+          <a:p>
+            <a:r>
+              <a:rPr lang="en-US" sz="1400" b="1" dirty="0">
+                <a:solidFill>
+                  <a:srgbClr val="000000"/>
+                </a:solidFill>
+                <a:latin typeface="Courier" charset="0"/>
+                <a:ea typeface="Courier" charset="0"/>
+                <a:cs typeface="Courier" charset="0"/>
+              </a:rPr>
+              <a:t>    course = </a:t>
+            </a:r>
+            <a:r>
+              <a:rPr lang="en-US" sz="1400" b="1" dirty="0" err="1">
+                <a:solidFill>
+                  <a:srgbClr val="000000"/>
+                </a:solidFill>
+                <a:latin typeface="Courier" charset="0"/>
+                <a:ea typeface="Courier" charset="0"/>
+                <a:cs typeface="Courier" charset="0"/>
+              </a:rPr>
+              <a:t>models.ForeignKey</a:t>
+            </a:r>
+            <a:r>
+              <a:rPr lang="en-US" sz="1400" b="1" dirty="0">
+                <a:solidFill>
+                  <a:srgbClr val="000000"/>
+                </a:solidFill>
+                <a:latin typeface="Courier" charset="0"/>
+                <a:ea typeface="Courier" charset="0"/>
+                <a:cs typeface="Courier" charset="0"/>
+              </a:rPr>
+              <a:t>(Course, </a:t>
+            </a:r>
+            <a:r>
+              <a:rPr lang="en-US" sz="1400" b="1" dirty="0" err="1">
+                <a:solidFill>
+                  <a:srgbClr val="000000"/>
+                </a:solidFill>
+                <a:latin typeface="Courier" charset="0"/>
+                <a:ea typeface="Courier" charset="0"/>
+                <a:cs typeface="Courier" charset="0"/>
+              </a:rPr>
+              <a:t>on_delete</a:t>
+            </a:r>
+            <a:r>
+              <a:rPr lang="en-US" sz="1400" b="1" dirty="0">
+                <a:solidFill>
+                  <a:srgbClr val="000000"/>
+                </a:solidFill>
+                <a:latin typeface="Courier" charset="0"/>
+                <a:ea typeface="Courier" charset="0"/>
+                <a:cs typeface="Courier" charset="0"/>
+              </a:rPr>
+              <a:t>=</a:t>
+            </a:r>
+            <a:r>
+              <a:rPr lang="en-US" sz="1400" b="1" dirty="0" err="1">
+                <a:solidFill>
+                  <a:srgbClr val="000000"/>
+                </a:solidFill>
+                <a:latin typeface="Courier" charset="0"/>
+                <a:ea typeface="Courier" charset="0"/>
+                <a:cs typeface="Courier" charset="0"/>
+              </a:rPr>
+              <a:t>models.CASCADE</a:t>
+            </a:r>
+            <a:r>
+              <a:rPr lang="en-US" sz="1400" b="1" dirty="0" smtClean="0">
+                <a:solidFill>
+                  <a:srgbClr val="000000"/>
+                </a:solidFill>
+                <a:latin typeface="Courier" charset="0"/>
+                <a:ea typeface="Courier" charset="0"/>
+                <a:cs typeface="Courier" charset="0"/>
+              </a:rPr>
+              <a:t>)</a:t>
+            </a:r>
+            <a:endParaRPr lang="de-DE" sz="1400" b="1" dirty="0" smtClean="0">
+              <a:solidFill>
+                <a:srgbClr val="000000"/>
+              </a:solidFill>
+              <a:latin typeface="Courier" charset="0"/>
+              <a:ea typeface="Courier" charset="0"/>
+              <a:cs typeface="Courier" charset="0"/>
+            </a:endParaRPr>
+          </a:p>
+          <a:p>
+            <a:r>
+              <a:rPr lang="en-US" sz="1400" b="1" dirty="0" smtClean="0">
+                <a:solidFill>
+                  <a:srgbClr val="000000"/>
+                </a:solidFill>
+                <a:latin typeface="Courier" charset="0"/>
+                <a:ea typeface="Courier" charset="0"/>
+                <a:cs typeface="Courier" charset="0"/>
+              </a:rPr>
+              <a:t>    </a:t>
+            </a:r>
+            <a:r>
+              <a:rPr lang="en-US" sz="1400" b="1" dirty="0" err="1">
+                <a:solidFill>
+                  <a:srgbClr val="000000"/>
+                </a:solidFill>
+                <a:latin typeface="Courier" charset="0"/>
+                <a:ea typeface="Courier" charset="0"/>
+                <a:cs typeface="Courier" charset="0"/>
+              </a:rPr>
+              <a:t>created_at</a:t>
+            </a:r>
+            <a:r>
+              <a:rPr lang="en-US" sz="1400" b="1" dirty="0">
+                <a:solidFill>
+                  <a:srgbClr val="000000"/>
+                </a:solidFill>
+                <a:latin typeface="Courier" charset="0"/>
+                <a:ea typeface="Courier" charset="0"/>
+                <a:cs typeface="Courier" charset="0"/>
+              </a:rPr>
+              <a:t> = </a:t>
+            </a:r>
+            <a:r>
+              <a:rPr lang="en-US" sz="1400" b="1" dirty="0" err="1">
+                <a:solidFill>
+                  <a:srgbClr val="000000"/>
+                </a:solidFill>
+                <a:latin typeface="Courier" charset="0"/>
+                <a:ea typeface="Courier" charset="0"/>
+                <a:cs typeface="Courier" charset="0"/>
+              </a:rPr>
+              <a:t>models.DateTimeField</a:t>
+            </a:r>
+            <a:r>
+              <a:rPr lang="en-US" sz="1400" b="1" dirty="0">
+                <a:solidFill>
+                  <a:srgbClr val="000000"/>
+                </a:solidFill>
+                <a:latin typeface="Courier" charset="0"/>
+                <a:ea typeface="Courier" charset="0"/>
+                <a:cs typeface="Courier" charset="0"/>
+              </a:rPr>
+              <a:t>(</a:t>
+            </a:r>
+            <a:r>
+              <a:rPr lang="en-US" sz="1400" b="1" dirty="0" err="1">
+                <a:solidFill>
+                  <a:srgbClr val="000000"/>
+                </a:solidFill>
+                <a:latin typeface="Courier" charset="0"/>
+                <a:ea typeface="Courier" charset="0"/>
+                <a:cs typeface="Courier" charset="0"/>
+              </a:rPr>
+              <a:t>auto_now_add</a:t>
+            </a:r>
+            <a:r>
+              <a:rPr lang="en-US" sz="1400" b="1" dirty="0">
+                <a:solidFill>
+                  <a:srgbClr val="000000"/>
+                </a:solidFill>
+                <a:latin typeface="Courier" charset="0"/>
+                <a:ea typeface="Courier" charset="0"/>
+                <a:cs typeface="Courier" charset="0"/>
+              </a:rPr>
+              <a:t>=</a:t>
+            </a:r>
+            <a:r>
+              <a:rPr lang="en-US" sz="1400" b="1" dirty="0">
+                <a:solidFill>
+                  <a:srgbClr val="2EAEBB"/>
+                </a:solidFill>
+                <a:latin typeface="Courier" charset="0"/>
+                <a:ea typeface="Courier" charset="0"/>
+                <a:cs typeface="Courier" charset="0"/>
+              </a:rPr>
+              <a:t>True</a:t>
+            </a:r>
+            <a:r>
+              <a:rPr lang="en-US" sz="1400" b="1" dirty="0">
+                <a:solidFill>
+                  <a:srgbClr val="000000"/>
+                </a:solidFill>
+                <a:latin typeface="Courier" charset="0"/>
+                <a:ea typeface="Courier" charset="0"/>
+                <a:cs typeface="Courier" charset="0"/>
+              </a:rPr>
+              <a:t>)</a:t>
+            </a:r>
+          </a:p>
+          <a:p>
+            <a:r>
+              <a:rPr lang="en-US" sz="1400" b="1" dirty="0">
+                <a:solidFill>
+                  <a:srgbClr val="000000"/>
+                </a:solidFill>
+                <a:latin typeface="Courier" charset="0"/>
+                <a:ea typeface="Courier" charset="0"/>
+                <a:cs typeface="Courier" charset="0"/>
+              </a:rPr>
+              <a:t>    </a:t>
+            </a:r>
+            <a:r>
+              <a:rPr lang="en-US" sz="1400" b="1" dirty="0" err="1">
+                <a:solidFill>
+                  <a:srgbClr val="000000"/>
+                </a:solidFill>
+                <a:latin typeface="Courier" charset="0"/>
+                <a:ea typeface="Courier" charset="0"/>
+                <a:cs typeface="Courier" charset="0"/>
+              </a:rPr>
+              <a:t>updated_at</a:t>
+            </a:r>
+            <a:r>
+              <a:rPr lang="en-US" sz="1400" b="1" dirty="0">
+                <a:solidFill>
+                  <a:srgbClr val="000000"/>
+                </a:solidFill>
+                <a:latin typeface="Courier" charset="0"/>
+                <a:ea typeface="Courier" charset="0"/>
+                <a:cs typeface="Courier" charset="0"/>
+              </a:rPr>
+              <a:t> = </a:t>
+            </a:r>
+            <a:r>
+              <a:rPr lang="en-US" sz="1400" b="1" dirty="0" err="1">
+                <a:solidFill>
+                  <a:srgbClr val="000000"/>
+                </a:solidFill>
+                <a:latin typeface="Courier" charset="0"/>
+                <a:ea typeface="Courier" charset="0"/>
+                <a:cs typeface="Courier" charset="0"/>
+              </a:rPr>
+              <a:t>models.DateTimeField</a:t>
+            </a:r>
+            <a:r>
+              <a:rPr lang="en-US" sz="1400" b="1" dirty="0">
+                <a:solidFill>
+                  <a:srgbClr val="000000"/>
+                </a:solidFill>
+                <a:latin typeface="Courier" charset="0"/>
+                <a:ea typeface="Courier" charset="0"/>
+                <a:cs typeface="Courier" charset="0"/>
+              </a:rPr>
+              <a:t>(</a:t>
+            </a:r>
+            <a:r>
+              <a:rPr lang="en-US" sz="1400" b="1" dirty="0" err="1">
+                <a:solidFill>
+                  <a:srgbClr val="000000"/>
+                </a:solidFill>
+                <a:latin typeface="Courier" charset="0"/>
+                <a:ea typeface="Courier" charset="0"/>
+                <a:cs typeface="Courier" charset="0"/>
+              </a:rPr>
+              <a:t>auto_now</a:t>
+            </a:r>
+            <a:r>
+              <a:rPr lang="en-US" sz="1400" b="1" dirty="0">
+                <a:solidFill>
+                  <a:srgbClr val="000000"/>
+                </a:solidFill>
+                <a:latin typeface="Courier" charset="0"/>
+                <a:ea typeface="Courier" charset="0"/>
+                <a:cs typeface="Courier" charset="0"/>
+              </a:rPr>
+              <a:t>=</a:t>
+            </a:r>
+            <a:r>
+              <a:rPr lang="en-US" sz="1400" b="1" dirty="0">
+                <a:solidFill>
+                  <a:srgbClr val="2EAEBB"/>
+                </a:solidFill>
+                <a:latin typeface="Courier" charset="0"/>
+                <a:ea typeface="Courier" charset="0"/>
+                <a:cs typeface="Courier" charset="0"/>
+              </a:rPr>
+              <a:t>True</a:t>
+            </a:r>
+            <a:r>
+              <a:rPr lang="en-US" sz="1400" b="1" dirty="0" smtClean="0">
+                <a:solidFill>
+                  <a:srgbClr val="000000"/>
+                </a:solidFill>
+                <a:latin typeface="Courier" charset="0"/>
+                <a:ea typeface="Courier" charset="0"/>
+                <a:cs typeface="Courier" charset="0"/>
+              </a:rPr>
+              <a:t>)</a:t>
+            </a:r>
+          </a:p>
+          <a:p>
+            <a:endParaRPr lang="de-DE" sz="1400" b="1" dirty="0" smtClean="0">
+              <a:solidFill>
+                <a:srgbClr val="000000"/>
+              </a:solidFill>
+              <a:latin typeface="Courier" charset="0"/>
+              <a:ea typeface="Courier" charset="0"/>
+              <a:cs typeface="Courier" charset="0"/>
+            </a:endParaRPr>
+          </a:p>
+          <a:p>
+            <a:r>
+              <a:rPr lang="de-DE" sz="1400" b="1" dirty="0" smtClean="0">
+                <a:solidFill>
+                  <a:srgbClr val="000000"/>
+                </a:solidFill>
+                <a:latin typeface="Courier" charset="0"/>
+                <a:ea typeface="Courier" charset="0"/>
+                <a:cs typeface="Courier" charset="0"/>
+              </a:rPr>
+              <a:t>    </a:t>
+            </a:r>
+            <a:r>
               <a:rPr lang="de-DE" sz="1400" b="1" dirty="0">
                 <a:solidFill>
                   <a:srgbClr val="000000"/>
@@ -12321,7 +13127,7 @@
                 <a:ea typeface="Courier" charset="0"/>
                 <a:cs typeface="Courier" charset="0"/>
               </a:rPr>
-              <a:t>    LEARNER = </a:t>
+              <a:t>LEARNER = </a:t>
             </a:r>
             <a:r>
               <a:rPr lang="de-DE" sz="1400" b="1" dirty="0">
@@ -12815,174 +13621,6 @@
             </a:r>
           </a:p>
           <a:p>
-            <a:endParaRPr lang="mr-IN" sz="1400" b="1" dirty="0">
-              <a:solidFill>
-                <a:srgbClr val="000000"/>
-              </a:solidFill>
-              <a:latin typeface="Courier" charset="0"/>
-              <a:ea typeface="Courier" charset="0"/>
-              <a:cs typeface="Courier" charset="0"/>
-            </a:endParaRPr>
-          </a:p>
-          <a:p>
-            <a:r>
-              <a:rPr lang="en-US" sz="1400" b="1" dirty="0">
-                <a:solidFill>
-                  <a:srgbClr val="000000"/>
-                </a:solidFill>
-                <a:latin typeface="Courier" charset="0"/>
-                <a:ea typeface="Courier" charset="0"/>
-                <a:cs typeface="Courier" charset="0"/>
-              </a:rPr>
-              <a:t>    person = </a:t>
-            </a:r>
-            <a:r>
-              <a:rPr lang="en-US" sz="1400" b="1" dirty="0" err="1">
-                <a:solidFill>
-                  <a:srgbClr val="000000"/>
-                </a:solidFill>
-                <a:latin typeface="Courier" charset="0"/>
-                <a:ea typeface="Courier" charset="0"/>
-                <a:cs typeface="Courier" charset="0"/>
-              </a:rPr>
-              <a:t>models.ForeignKey</a:t>
-            </a:r>
-            <a:r>
-              <a:rPr lang="en-US" sz="1400" b="1" dirty="0">
-                <a:solidFill>
-                  <a:srgbClr val="000000"/>
-                </a:solidFill>
-                <a:latin typeface="Courier" charset="0"/>
-                <a:ea typeface="Courier" charset="0"/>
-                <a:cs typeface="Courier" charset="0"/>
-              </a:rPr>
-              <a:t>(Person, </a:t>
-            </a:r>
-            <a:r>
-              <a:rPr lang="en-US" sz="1400" b="1" dirty="0" err="1">
-                <a:solidFill>
-                  <a:srgbClr val="000000"/>
-                </a:solidFill>
-                <a:latin typeface="Courier" charset="0"/>
-                <a:ea typeface="Courier" charset="0"/>
-                <a:cs typeface="Courier" charset="0"/>
-              </a:rPr>
-              <a:t>on_delete</a:t>
-            </a:r>
-            <a:r>
-              <a:rPr lang="en-US" sz="1400" b="1" dirty="0">
-                <a:solidFill>
-                  <a:srgbClr val="000000"/>
-                </a:solidFill>
-                <a:latin typeface="Courier" charset="0"/>
-                <a:ea typeface="Courier" charset="0"/>
-                <a:cs typeface="Courier" charset="0"/>
-              </a:rPr>
-              <a:t>=</a:t>
-            </a:r>
-            <a:r>
-              <a:rPr lang="en-US" sz="1400" b="1" dirty="0" err="1">
-                <a:solidFill>
-                  <a:srgbClr val="000000"/>
-                </a:solidFill>
-                <a:latin typeface="Courier" charset="0"/>
-                <a:ea typeface="Courier" charset="0"/>
-                <a:cs typeface="Courier" charset="0"/>
-              </a:rPr>
-              <a:t>models.CASCADE</a:t>
-            </a:r>
-            <a:r>
-              <a:rPr lang="en-US" sz="1400" b="1" dirty="0">
-                <a:solidFill>
-                  <a:srgbClr val="000000"/>
-                </a:solidFill>
-                <a:latin typeface="Courier" charset="0"/>
-                <a:ea typeface="Courier" charset="0"/>
-                <a:cs typeface="Courier" charset="0"/>
-              </a:rPr>
-              <a:t>)</a:t>
-            </a:r>
-          </a:p>
-          <a:p>
-            <a:r>
-              <a:rPr lang="en-US" sz="1400" b="1" dirty="0">
-                <a:solidFill>
-                  <a:srgbClr val="000000"/>
-                </a:solidFill>
-                <a:latin typeface="Courier" charset="0"/>
-                <a:ea typeface="Courier" charset="0"/>
-                <a:cs typeface="Courier" charset="0"/>
-              </a:rPr>
-              <a:t>    course = </a:t>
-            </a:r>
-            <a:r>
-              <a:rPr lang="en-US" sz="1400" b="1" dirty="0" err="1">
-                <a:solidFill>
-                  <a:srgbClr val="000000"/>
-                </a:solidFill>
-                <a:latin typeface="Courier" charset="0"/>
-                <a:ea typeface="Courier" charset="0"/>
-                <a:cs typeface="Courier" charset="0"/>
-              </a:rPr>
-              <a:t>models.ForeignKey</a:t>
-            </a:r>
-            <a:r>
-              <a:rPr lang="en-US" sz="1400" b="1" dirty="0">
-                <a:solidFill>
-                  <a:srgbClr val="000000"/>
-                </a:solidFill>
-                <a:latin typeface="Courier" charset="0"/>
-                <a:ea typeface="Courier" charset="0"/>
-                <a:cs typeface="Courier" charset="0"/>
-              </a:rPr>
-              <a:t>(Course, </a:t>
-            </a:r>
-            <a:r>
-              <a:rPr lang="en-US" sz="1400" b="1" dirty="0" err="1">
-                <a:solidFill>
-                  <a:srgbClr val="000000"/>
-                </a:solidFill>
-                <a:latin typeface="Courier" charset="0"/>
-                <a:ea typeface="Courier" charset="0"/>
-                <a:cs typeface="Courier" charset="0"/>
-              </a:rPr>
-              <a:t>on_delete</a:t>
-            </a:r>
-            <a:r>
-              <a:rPr lang="en-US" sz="1400" b="1" dirty="0">
-                <a:solidFill>
-                  <a:srgbClr val="000000"/>
-                </a:solidFill>
-                <a:latin typeface="Courier" charset="0"/>
-                <a:ea typeface="Courier" charset="0"/>
-                <a:cs typeface="Courier" charset="0"/>
-              </a:rPr>
-              <a:t>=</a:t>
-            </a:r>
-            <a:r>
-              <a:rPr lang="en-US" sz="1400" b="1" dirty="0" err="1">
-                <a:solidFill>
-                  <a:srgbClr val="000000"/>
-                </a:solidFill>
-                <a:latin typeface="Courier" charset="0"/>
-                <a:ea typeface="Courier" charset="0"/>
-                <a:cs typeface="Courier" charset="0"/>
-              </a:rPr>
-              <a:t>models.CASCADE</a:t>
-            </a:r>
-            <a:r>
-              <a:rPr lang="en-US" sz="1400" b="1" dirty="0">
-                <a:solidFill>
-                  <a:srgbClr val="000000"/>
-                </a:solidFill>
-                <a:latin typeface="Courier" charset="0"/>
-                <a:ea typeface="Courier" charset="0"/>
-                <a:cs typeface="Courier" charset="0"/>
-              </a:rPr>
-              <a:t>)</a:t>
-            </a:r>
-          </a:p>
-          <a:p>
             <a:endParaRPr lang="en-US" sz="1400" b="1" dirty="0">
               <a:solidFill>
                 <a:srgbClr val="000000"/>
@@ -13063,11 +13701,20 @@
                 <a:ea typeface="Courier" charset="0"/>
                 <a:cs typeface="Courier" charset="0"/>
               </a:rPr>
-              <a:t>    )</a:t>
-            </a:r>
-          </a:p>
-          <a:p>
-            <a:endParaRPr lang="mr-IN" sz="1400" b="1" dirty="0">
+              <a:t>    </a:t>
+            </a:r>
+            <a:r>
+              <a:rPr lang="mr-IN" sz="1400" b="1" dirty="0" smtClean="0">
+                <a:solidFill>
+                  <a:srgbClr val="000000"/>
+                </a:solidFill>
+                <a:latin typeface="Courier" charset="0"/>
+                <a:ea typeface="Courier" charset="0"/>
+                <a:cs typeface="Courier" charset="0"/>
+              </a:rPr>
+              <a:t>)</a:t>
+            </a:r>
+            <a:endParaRPr lang="en-US" sz="1400" b="1" dirty="0" smtClean="0">
               <a:solidFill>
                 <a:srgbClr val="000000"/>
               </a:solidFill>
@@ -13075,208 +13722,6 @@
               <a:ea typeface="Courier" charset="0"/>
               <a:cs typeface="Courier" charset="0"/>
             </a:endParaRPr>
-          </a:p>
-          <a:p>
-            <a:r>
-              <a:rPr lang="en-US" sz="1400" b="1" dirty="0">
-                <a:solidFill>
-                  <a:srgbClr val="000000"/>
-                </a:solidFill>
-                <a:latin typeface="Courier" charset="0"/>
-                <a:ea typeface="Courier" charset="0"/>
-                <a:cs typeface="Courier" charset="0"/>
-              </a:rPr>
-              <a:t>    </a:t>
-            </a:r>
-            <a:r>
-              <a:rPr lang="en-US" sz="1400" b="1" dirty="0" err="1">
-                <a:solidFill>
-                  <a:srgbClr val="000000"/>
-                </a:solidFill>
-                <a:latin typeface="Courier" charset="0"/>
-                <a:ea typeface="Courier" charset="0"/>
-                <a:cs typeface="Courier" charset="0"/>
-              </a:rPr>
-              <a:t>created_at</a:t>
-            </a:r>
-            <a:r>
-              <a:rPr lang="en-US" sz="1400" b="1" dirty="0">
-                <a:solidFill>
-                  <a:srgbClr val="000000"/>
-                </a:solidFill>
-                <a:latin typeface="Courier" charset="0"/>
-                <a:ea typeface="Courier" charset="0"/>
-                <a:cs typeface="Courier" charset="0"/>
-              </a:rPr>
-              <a:t> = </a:t>
-            </a:r>
-            <a:r>
-              <a:rPr lang="en-US" sz="1400" b="1" dirty="0" err="1">
-                <a:solidFill>
-                  <a:srgbClr val="000000"/>
-                </a:solidFill>
-                <a:latin typeface="Courier" charset="0"/>
-                <a:ea typeface="Courier" charset="0"/>
-                <a:cs typeface="Courier" charset="0"/>
-              </a:rPr>
-              <a:t>models.DateTimeField</a:t>
-            </a:r>
-            <a:r>
-              <a:rPr lang="en-US" sz="1400" b="1" dirty="0">
-                <a:solidFill>
-                  <a:srgbClr val="000000"/>
-                </a:solidFill>
-                <a:latin typeface="Courier" charset="0"/>
-                <a:ea typeface="Courier" charset="0"/>
-                <a:cs typeface="Courier" charset="0"/>
-              </a:rPr>
-              <a:t>(</a:t>
-            </a:r>
-            <a:r>
-              <a:rPr lang="en-US" sz="1400" b="1" dirty="0" err="1">
-                <a:solidFill>
-                  <a:srgbClr val="000000"/>
-                </a:solidFill>
-                <a:latin typeface="Courier" charset="0"/>
-                <a:ea typeface="Courier" charset="0"/>
-                <a:cs typeface="Courier" charset="0"/>
-              </a:rPr>
-              <a:t>auto_now_add</a:t>
-            </a:r>
-            <a:r>
-              <a:rPr lang="en-US" sz="1400" b="1" dirty="0">
-                <a:solidFill>
-                  <a:srgbClr val="000000"/>
-                </a:solidFill>
-                <a:latin typeface="Courier" charset="0"/>
-                <a:ea typeface="Courier" charset="0"/>
-                <a:cs typeface="Courier" charset="0"/>
-              </a:rPr>
-              <a:t>=</a:t>
-            </a:r>
-            <a:r>
-              <a:rPr lang="en-US" sz="1400" b="1" dirty="0">
-                <a:solidFill>
-                  <a:srgbClr val="2EAEBB"/>
-                </a:solidFill>
-                <a:latin typeface="Courier" charset="0"/>
-                <a:ea typeface="Courier" charset="0"/>
-                <a:cs typeface="Courier" charset="0"/>
-              </a:rPr>
-              <a:t>True</a:t>
-            </a:r>
-            <a:r>
-              <a:rPr lang="en-US" sz="1400" b="1" dirty="0">
-                <a:solidFill>
-                  <a:srgbClr val="000000"/>
-                </a:solidFill>
-                <a:latin typeface="Courier" charset="0"/>
-                <a:ea typeface="Courier" charset="0"/>
-                <a:cs typeface="Courier" charset="0"/>
-              </a:rPr>
-              <a:t>)</a:t>
-            </a:r>
-          </a:p>
-          <a:p>
-            <a:r>
-              <a:rPr lang="en-US" sz="1400" b="1" dirty="0">
-                <a:solidFill>
-                  <a:srgbClr val="000000"/>
-                </a:solidFill>
-                <a:latin typeface="Courier" charset="0"/>
-                <a:ea typeface="Courier" charset="0"/>
-                <a:cs typeface="Courier" charset="0"/>
-              </a:rPr>
-              <a:t>    </a:t>
-            </a:r>
-            <a:r>
-              <a:rPr lang="en-US" sz="1400" b="1" dirty="0" err="1">
-                <a:solidFill>
-                  <a:srgbClr val="000000"/>
-                </a:solidFill>
-                <a:latin typeface="Courier" charset="0"/>
-                <a:ea typeface="Courier" charset="0"/>
-                <a:cs typeface="Courier" charset="0"/>
-              </a:rPr>
-              <a:t>updated_at</a:t>
-            </a:r>
-            <a:r>
-              <a:rPr lang="en-US" sz="1400" b="1" dirty="0">
-                <a:solidFill>
-                  <a:srgbClr val="000000"/>
-                </a:solidFill>
-                <a:latin typeface="Courier" charset="0"/>
-                <a:ea typeface="Courier" charset="0"/>
-                <a:cs typeface="Courier" charset="0"/>
-              </a:rPr>
-              <a:t> = </a:t>
-            </a:r>
-            <a:r>
-              <a:rPr lang="en-US" sz="1400" b="1" dirty="0" err="1">
-                <a:solidFill>
-                  <a:srgbClr val="000000"/>
-                </a:solidFill>
-                <a:latin typeface="Courier" charset="0"/>
-                <a:ea typeface="Courier" charset="0"/>
-                <a:cs typeface="Courier" charset="0"/>
-              </a:rPr>
-              <a:t>models.DateTimeField</a:t>
-            </a:r>
-            <a:r>
-              <a:rPr lang="en-US" sz="1400" b="1" dirty="0">
-                <a:solidFill>
-                  <a:srgbClr val="000000"/>
-                </a:solidFill>
-                <a:latin typeface="Courier" charset="0"/>
-                <a:ea typeface="Courier" charset="0"/>
-                <a:cs typeface="Courier" charset="0"/>
-              </a:rPr>
-              <a:t>(</a:t>
-            </a:r>
-            <a:r>
-              <a:rPr lang="en-US" sz="1400" b="1" dirty="0" err="1">
-                <a:solidFill>
-                  <a:srgbClr val="000000"/>
-                </a:solidFill>
-                <a:latin typeface="Courier" charset="0"/>
-                <a:ea typeface="Courier" charset="0"/>
-                <a:cs typeface="Courier" charset="0"/>
-              </a:rPr>
-              <a:t>auto_now</a:t>
-            </a:r>
-            <a:r>
-              <a:rPr lang="en-US" sz="1400" b="1" dirty="0">
-                <a:solidFill>
-                  <a:srgbClr val="000000"/>
-                </a:solidFill>
-                <a:latin typeface="Courier" charset="0"/>
-                <a:ea typeface="Courier" charset="0"/>
-                <a:cs typeface="Courier" charset="0"/>
-              </a:rPr>
-              <a:t>=</a:t>
-            </a:r>
-            <a:r>
-              <a:rPr lang="en-US" sz="1400" b="1" dirty="0">
-                <a:solidFill>
-                  <a:srgbClr val="2EAEBB"/>
-                </a:solidFill>
-                <a:latin typeface="Courier" charset="0"/>
-                <a:ea typeface="Courier" charset="0"/>
-                <a:cs typeface="Courier" charset="0"/>
-              </a:rPr>
-              <a:t>True</a:t>
-            </a:r>
-            <a:r>
-              <a:rPr lang="en-US" sz="1400" b="1" dirty="0">
-                <a:solidFill>
-                  <a:srgbClr val="000000"/>
-                </a:solidFill>
-                <a:latin typeface="Courier" charset="0"/>
-                <a:ea typeface="Courier" charset="0"/>
-                <a:cs typeface="Courier" charset="0"/>
-              </a:rPr>
-              <a:t>)</a:t>
-            </a:r>
           </a:p>
           <a:p>
             <a:endParaRPr lang="en-US" sz="1400" b="1" dirty="0">
@@ -13551,6 +13996,13 @@
   <p:clrMapOvr>
     <a:masterClrMapping/>
   </p:clrMapOvr>
+  <p:timing>
+    <p:tnLst>
+      <p:par>
+        <p:cTn id="1" dur="indefinite" restart="never" nodeType="tmRoot"/>
+      </p:par>
+    </p:tnLst>
+  </p:timing>
 </p:sld>
 </file>
 
@@ -13879,7 +14331,7 @@
         <p:spPr>
           <a:xfrm>
             <a:off x="838200" y="1581157"/>
-            <a:ext cx="9389109" cy="4247317"/>
+            <a:ext cx="9389109" cy="4801314"/>
           </a:xfrm>
           <a:prstGeom prst="rect">
             <a:avLst/>
@@ -13952,55 +14404,101 @@
               <a:t>ted@umich.edu</a:t>
             </a:r>
             <a:r>
+              <a:rPr lang="en-US" dirty="0" smtClean="0">
+                <a:solidFill>
+                  <a:srgbClr val="FF7F00"/>
+                </a:solidFill>
+                <a:latin typeface="Menlo-Regular" charset="0"/>
+              </a:rPr>
+              <a:t>').save()</a:t>
+            </a:r>
+            <a:endParaRPr lang="en-US" dirty="0">
+              <a:solidFill>
+                <a:srgbClr val="FF7F00"/>
+              </a:solidFill>
+              <a:latin typeface="Menlo-Regular" charset="0"/>
+            </a:endParaRPr>
+          </a:p>
+          <a:p>
+            <a:r>
+              <a:rPr lang="en-US" dirty="0" smtClean="0">
+                <a:latin typeface="Menlo-Regular" charset="0"/>
+              </a:rPr>
+              <a:t>&gt;&gt;&gt;</a:t>
+            </a:r>
+            <a:r>
+              <a:rPr lang="en-US" dirty="0" smtClean="0">
+                <a:solidFill>
+                  <a:srgbClr val="FF7F00"/>
+                </a:solidFill>
+                <a:latin typeface="Menlo-Regular" charset="0"/>
+              </a:rPr>
+              <a:t> </a:t>
+            </a:r>
+            <a:r>
               <a:rPr lang="en-US" dirty="0">
                 <a:solidFill>
                   <a:srgbClr val="FF7F00"/>
                 </a:solidFill>
                 <a:latin typeface="Menlo-Regular" charset="0"/>
               </a:rPr>
-              <a:t>')</a:t>
-            </a:r>
-          </a:p>
-          <a:p>
-            <a:r>
-              <a:rPr lang="mr-IN" dirty="0">
+              <a:t>c = Course(title='Woodcraft</a:t>
+            </a:r>
+            <a:r>
+              <a:rPr lang="en-US" dirty="0" smtClean="0">
+                <a:solidFill>
+                  <a:srgbClr val="FF7F00"/>
+                </a:solidFill>
                 <a:latin typeface="Menlo-Regular" charset="0"/>
               </a:rPr>
-              <a:t>&gt;&gt;&gt;</a:t>
-            </a:r>
-            <a:r>
-              <a:rPr lang="mr-IN" dirty="0">
+              <a:t>').save()</a:t>
+            </a:r>
+            <a:endParaRPr lang="en-US" dirty="0">
+              <a:solidFill>
+                <a:srgbClr val="FF7F00"/>
+              </a:solidFill>
+              <a:latin typeface="Menlo-Regular" charset="0"/>
+            </a:endParaRPr>
+          </a:p>
+          <a:p>
+            <a:r>
+              <a:rPr lang="en-US" dirty="0" smtClean="0">
+                <a:latin typeface="Menlo-Regular" charset="0"/>
+              </a:rPr>
+              <a:t>&gt;&gt;&gt; </a:t>
+            </a:r>
+            <a:r>
+              <a:rPr lang="en-US" dirty="0" err="1" smtClean="0">
                 <a:solidFill>
                   <a:srgbClr val="FF7F00"/>
                 </a:solidFill>
                 <a:latin typeface="Menlo-Regular" charset="0"/>
               </a:rPr>
-              <a:t> </a:t>
-            </a:r>
-            <a:r>
-              <a:rPr lang="mr-IN" dirty="0" err="1">
-                <a:solidFill>
-                  <a:srgbClr val="FF7F00"/>
-                </a:solidFill>
-                <a:latin typeface="Menlo-Regular" charset="0"/>
-              </a:rPr>
-              <a:t>p.save</a:t>
-            </a:r>
-            <a:r>
-              <a:rPr lang="mr-IN" dirty="0">
-                <a:solidFill>
-                  <a:srgbClr val="FF7F00"/>
-                </a:solidFill>
-                <a:latin typeface="Menlo-Regular" charset="0"/>
-              </a:rPr>
-              <a:t>()</a:t>
-            </a:r>
+              <a:t>c.id</a:t>
+            </a:r>
+            <a:endParaRPr lang="en-US" dirty="0" smtClean="0">
+              <a:solidFill>
+                <a:srgbClr val="FF7F00"/>
+              </a:solidFill>
+              <a:latin typeface="Menlo-Regular" charset="0"/>
+            </a:endParaRPr>
           </a:p>
           <a:p>
             <a:r>
               <a:rPr lang="en-US" dirty="0">
                 <a:latin typeface="Menlo-Regular" charset="0"/>
               </a:rPr>
+              <a:t>6</a:t>
+            </a:r>
+            <a:endParaRPr lang="en-US" dirty="0" smtClean="0">
+              <a:latin typeface="Menlo-Regular" charset="0"/>
+            </a:endParaRPr>
+          </a:p>
+          <a:p>
+            <a:r>
+              <a:rPr lang="en-US" dirty="0">
+                <a:latin typeface="Menlo-Regular" charset="0"/>
+              </a:rPr>
               <a:t>&gt;&gt;&gt;</a:t>
             </a:r>
             <a:r>
@@ -14010,46 +14508,47 @@
                 </a:solidFill>
                 <a:latin typeface="Menlo-Regular" charset="0"/>
               </a:rPr>
-              <a:t> c = Course(title='Woodcraft')</a:t>
-            </a:r>
-          </a:p>
-          <a:p>
-            <a:r>
-              <a:rPr lang="mr-IN" dirty="0">
+              <a:t> </a:t>
+            </a:r>
+            <a:r>
+              <a:rPr lang="en-US" dirty="0" err="1">
+                <a:solidFill>
+                  <a:srgbClr val="FF7F00"/>
+                </a:solidFill>
                 <a:latin typeface="Menlo-Regular" charset="0"/>
               </a:rPr>
-              <a:t>&gt;&gt;&gt;</a:t>
-            </a:r>
-            <a:r>
-              <a:rPr lang="mr-IN" dirty="0">
+              <a:t>c.members.values</a:t>
+            </a:r>
+            <a:r>
+              <a:rPr lang="en-US" dirty="0" smtClean="0">
                 <a:solidFill>
                   <a:srgbClr val="FF7F00"/>
                 </a:solidFill>
                 <a:latin typeface="Menlo-Regular" charset="0"/>
               </a:rPr>
-              <a:t> </a:t>
-            </a:r>
-            <a:r>
-              <a:rPr lang="mr-IN" dirty="0" err="1">
-                <a:solidFill>
-                  <a:srgbClr val="FF7F00"/>
-                </a:solidFill>
+              <a:t>()</a:t>
+            </a:r>
+          </a:p>
+          <a:p>
+            <a:r>
+              <a:rPr lang="en-US" dirty="0" smtClean="0">
                 <a:latin typeface="Menlo-Regular" charset="0"/>
               </a:rPr>
-              <a:t>c.save</a:t>
-            </a:r>
-            <a:r>
-              <a:rPr lang="mr-IN" dirty="0">
-                <a:solidFill>
-                  <a:srgbClr val="FF7F00"/>
-                </a:solidFill>
+              <a:t>&lt;</a:t>
+            </a:r>
+            <a:r>
+              <a:rPr lang="en-US" dirty="0" err="1">
                 <a:latin typeface="Menlo-Regular" charset="0"/>
               </a:rPr>
-              <a:t>()</a:t>
-            </a:r>
-          </a:p>
-          <a:p>
-            <a:endParaRPr lang="en-US" dirty="0" smtClean="0">
+              <a:t>QuerySet</a:t>
+            </a:r>
+            <a:r>
+              <a:rPr lang="en-US" dirty="0">
+                <a:latin typeface="Menlo-Regular" charset="0"/>
+              </a:rPr>
+              <a:t> []&gt;</a:t>
+            </a:r>
+            <a:endParaRPr lang="mr-IN" dirty="0" smtClean="0">
               <a:latin typeface="Menlo-Regular" charset="0"/>
             </a:endParaRPr>
           </a:p>
@@ -14180,7 +14679,7 @@
               <a:t>&gt;&gt;&gt; </a:t>
             </a:r>
             <a:r>
-              <a:rPr lang="en-US" dirty="0" err="1">
+              <a:rPr lang="en-US" dirty="0" err="1" smtClean="0">
                 <a:solidFill>
                   <a:srgbClr val="FF7F00"/>
                 </a:solidFill>
@@ -14197,27 +14696,39 @@
           </a:p>
           <a:p>
             <a:r>
+              <a:rPr lang="en-US" dirty="0" smtClean="0">
+                <a:latin typeface="Menlo-Regular" charset="0"/>
+              </a:rPr>
+              <a:t>6</a:t>
+            </a:r>
+            <a:endParaRPr lang="en-US" dirty="0">
+              <a:latin typeface="Menlo-Regular" charset="0"/>
+            </a:endParaRPr>
+          </a:p>
+          <a:p>
+            <a:r>
               <a:rPr lang="en-US" dirty="0">
                 <a:latin typeface="Menlo-Regular" charset="0"/>
               </a:rPr>
-              <a:t>7</a:t>
-            </a:r>
-          </a:p>
-          <a:p>
-            <a:r>
-              <a:rPr lang="en-US" dirty="0">
+              <a:t>&gt;&gt;&gt; </a:t>
+            </a:r>
+            <a:r>
+              <a:rPr lang="en-US" dirty="0" err="1" smtClean="0">
+                <a:solidFill>
+                  <a:srgbClr val="FF7F00"/>
+                </a:solidFill>
                 <a:latin typeface="Menlo-Regular" charset="0"/>
               </a:rPr>
-              <a:t>&gt;&gt;&gt; </a:t>
-            </a:r>
-            <a:r>
-              <a:rPr lang="en-US" dirty="0" err="1">
+              <a:t>c.members.values</a:t>
+            </a:r>
+            <a:r>
+              <a:rPr lang="en-US" dirty="0" smtClean="0">
                 <a:solidFill>
                   <a:srgbClr val="FF7F00"/>
                 </a:solidFill>
                 <a:latin typeface="Menlo-Regular" charset="0"/>
               </a:rPr>
-              <a:t>m.person_id</a:t>
+              <a:t>()</a:t>
             </a:r>
             <a:endParaRPr lang="en-US" dirty="0">
               <a:solidFill>
@@ -14231,16 +14742,105 @@
               <a:rPr lang="en-US" dirty="0">
                 <a:latin typeface="Menlo-Regular" charset="0"/>
               </a:rPr>
-              <a:t>7</a:t>
-            </a:r>
-          </a:p>
-          <a:p>
-            <a:r>
-              <a:rPr lang="mr-IN" dirty="0">
+              <a:t>&lt;</a:t>
+            </a:r>
+            <a:r>
+              <a:rPr lang="en-US" dirty="0" err="1">
                 <a:latin typeface="Menlo-Regular" charset="0"/>
               </a:rPr>
-              <a:t>&gt;&gt;&gt; </a:t>
-            </a:r>
+              <a:t>QuerySet</a:t>
+            </a:r>
+            <a:r>
+              <a:rPr lang="en-US" dirty="0">
+                <a:latin typeface="Menlo-Regular" charset="0"/>
+              </a:rPr>
+              <a:t> [{'id': </a:t>
+            </a:r>
+            <a:r>
+              <a:rPr lang="en-US" dirty="0" smtClean="0">
+                <a:latin typeface="Menlo-Regular" charset="0"/>
+              </a:rPr>
+              <a:t>3, </a:t>
+            </a:r>
+            <a:r>
+              <a:rPr lang="en-US" dirty="0">
+                <a:latin typeface="Menlo-Regular" charset="0"/>
+              </a:rPr>
+              <a:t>'email': '</a:t>
+            </a:r>
+            <a:r>
+              <a:rPr lang="en-US" dirty="0" err="1">
+                <a:latin typeface="Menlo-Regular" charset="0"/>
+              </a:rPr>
+              <a:t>ted@umich.edu</a:t>
+            </a:r>
+            <a:r>
+              <a:rPr lang="en-US" dirty="0">
+                <a:latin typeface="Menlo-Regular" charset="0"/>
+              </a:rPr>
+              <a:t>', 'name': None</a:t>
+            </a:r>
+            <a:r>
+              <a:rPr lang="en-US" dirty="0" smtClean="0">
+                <a:latin typeface="Menlo-Regular" charset="0"/>
+              </a:rPr>
+              <a:t>}]&gt;</a:t>
+            </a:r>
+          </a:p>
+          <a:p>
+            <a:r>
+              <a:rPr lang="mr-IN" dirty="0" smtClean="0">
+                <a:latin typeface="Menlo-Regular" charset="0"/>
+              </a:rPr>
+              <a:t>&gt;&gt;&gt;</a:t>
+            </a:r>
+            <a:r>
+              <a:rPr lang="en-US" dirty="0" smtClean="0">
+                <a:latin typeface="Menlo-Regular" charset="0"/>
+              </a:rPr>
+              <a:t> </a:t>
+            </a:r>
+            <a:r>
+              <a:rPr lang="en-US" dirty="0" err="1" smtClean="0">
+                <a:solidFill>
+                  <a:srgbClr val="FF7F00"/>
+                </a:solidFill>
+                <a:latin typeface="Menlo-Regular" charset="0"/>
+              </a:rPr>
+              <a:t>p.course_set.values</a:t>
+            </a:r>
+            <a:r>
+              <a:rPr lang="en-US" dirty="0" smtClean="0">
+                <a:solidFill>
+                  <a:srgbClr val="FF7F00"/>
+                </a:solidFill>
+                <a:latin typeface="Menlo-Regular" charset="0"/>
+              </a:rPr>
+              <a:t>()</a:t>
+            </a:r>
+          </a:p>
+          <a:p>
+            <a:r>
+              <a:rPr lang="en-US" dirty="0" smtClean="0">
+                <a:latin typeface="Menlo-Regular" charset="0"/>
+              </a:rPr>
+              <a:t>&lt;</a:t>
+            </a:r>
+            <a:r>
+              <a:rPr lang="en-US" dirty="0" err="1">
+                <a:latin typeface="Menlo-Regular" charset="0"/>
+              </a:rPr>
+              <a:t>QuerySet</a:t>
+            </a:r>
+            <a:r>
+              <a:rPr lang="en-US" dirty="0">
+                <a:latin typeface="Menlo-Regular" charset="0"/>
+              </a:rPr>
+              <a:t> [{'id': 6, 'title': 'Woodcraft'}]&gt;</a:t>
+            </a:r>
+            <a:endParaRPr lang="mr-IN" dirty="0">
+              <a:latin typeface="Menlo-Regular" charset="0"/>
+            </a:endParaRPr>
           </a:p>
         </p:txBody>
       </p:sp>
@@ -14252,7 +14852,7 @@
         </p:nvSpPr>
         <p:spPr>
           <a:xfrm>
-            <a:off x="7179049" y="4632393"/>
+            <a:off x="7379074" y="4164598"/>
             <a:ext cx="1492619" cy="734483"/>
           </a:xfrm>
           <a:prstGeom prst="rect">
@@ -14321,7 +14921,7 @@
         </p:nvSpPr>
         <p:spPr>
           <a:xfrm>
-            <a:off x="4143376" y="4652501"/>
+            <a:off x="4343401" y="4184706"/>
             <a:ext cx="1492619" cy="694267"/>
           </a:xfrm>
           <a:prstGeom prst="rect">
@@ -14382,7 +14982,7 @@
         </p:nvCxnSpPr>
         <p:spPr>
           <a:xfrm>
-            <a:off x="5635995" y="4999634"/>
+            <a:off x="5836020" y="4531839"/>
             <a:ext cx="1543054" cy="0"/>
           </a:xfrm>
           <a:prstGeom prst="straightConnector1">
@@ -14408,7 +15008,7 @@
         </p:nvSpPr>
         <p:spPr>
           <a:xfrm>
-            <a:off x="5635995" y="5182276"/>
+            <a:off x="5836020" y="4714481"/>
             <a:ext cx="614084" cy="369199"/>
           </a:xfrm>
           <a:prstGeom prst="rect">
@@ -14463,7 +15063,7 @@
         </p:nvSpPr>
         <p:spPr>
           <a:xfrm>
-            <a:off x="6564965" y="5162168"/>
+            <a:off x="6764990" y="4694373"/>
             <a:ext cx="614084" cy="369199"/>
           </a:xfrm>
           <a:prstGeom prst="rect">
@@ -14518,7 +15118,7 @@
         </p:nvSpPr>
         <p:spPr>
           <a:xfrm>
-            <a:off x="10227309" y="4612285"/>
+            <a:off x="10427334" y="4144490"/>
             <a:ext cx="1492619" cy="734483"/>
           </a:xfrm>
           <a:prstGeom prst="rect">
@@ -14587,7 +15187,7 @@
         </p:nvCxnSpPr>
         <p:spPr>
           <a:xfrm>
-            <a:off x="8684255" y="4979526"/>
+            <a:off x="8884280" y="4511731"/>
             <a:ext cx="1543054" cy="0"/>
           </a:xfrm>
           <a:prstGeom prst="straightConnector1">
@@ -14613,7 +15213,7 @@
         </p:nvSpPr>
         <p:spPr>
           <a:xfrm>
-            <a:off x="8684255" y="5162168"/>
+            <a:off x="8884280" y="4694373"/>
             <a:ext cx="614084" cy="369199"/>
           </a:xfrm>
           <a:prstGeom prst="rect">
@@ -14668,7 +15268,7 @@
         </p:nvSpPr>
         <p:spPr>
           <a:xfrm>
-            <a:off x="9613225" y="5142060"/>
+            <a:off x="9813250" y="4674265"/>
             <a:ext cx="614084" cy="369199"/>
           </a:xfrm>
           <a:prstGeom prst="rect">
@@ -14725,6 +15325,13 @@
   <p:clrMapOvr>
     <a:masterClrMapping/>
   </p:clrMapOvr>
+  <p:timing>
+    <p:tnLst>
+      <p:par>
+        <p:cTn id="1" dur="indefinite" restart="never" nodeType="tmRoot"/>
+      </p:par>
+    </p:tnLst>
+  </p:timing>
 </p:sld>
 </file>
 

--- a/lectures/DJ-03-Many-To-Many.pptx
+++ b/lectures/DJ-03-Many-To-Many.pptx
@@ -4061,10 +4061,10 @@
           <p:cNvPr id="10" name="Rectangle 9">
             <a:extLst>
               <a:ext uri="{FF2B5EF4-FFF2-40B4-BE49-F238E27FC236}">
-                <a16:creationId xmlns="" xmlns:a16="http://schemas.microsoft.com/office/drawing/2014/main" id="{E20EB187-900F-4AF5-813B-101456D9FD39}"/>
+                <a16:creationId xmlns:a16="http://schemas.microsoft.com/office/drawing/2014/main" xmlns="" id="{E20EB187-900F-4AF5-813B-101456D9FD39}"/>
               </a:ext>
               <a:ext uri="{C183D7F6-B498-43B3-948B-1728B52AA6E4}">
-                <adec:decorative xmlns="" xmlns:adec="http://schemas.microsoft.com/office/drawing/2017/decorative" val="1"/>
+                <adec:decorative xmlns:adec="http://schemas.microsoft.com/office/drawing/2017/decorative" xmlns="" val="1"/>
               </a:ext>
             </a:extLst>
           </p:cNvPr>
@@ -4245,10 +4245,10 @@
           <p:cNvPr id="12" name="Straight Connector 11">
             <a:extLst>
               <a:ext uri="{FF2B5EF4-FFF2-40B4-BE49-F238E27FC236}">
-                <a16:creationId xmlns="" xmlns:a16="http://schemas.microsoft.com/office/drawing/2014/main" id="{624D17C8-E9C2-48A4-AA36-D7048A6CCC41}"/>
+                <a16:creationId xmlns:a16="http://schemas.microsoft.com/office/drawing/2014/main" xmlns="" id="{624D17C8-E9C2-48A4-AA36-D7048A6CCC41}"/>
               </a:ext>
               <a:ext uri="{C183D7F6-B498-43B3-948B-1728B52AA6E4}">
-                <adec:decorative xmlns="" xmlns:adec="http://schemas.microsoft.com/office/drawing/2017/decorative" val="1"/>
+                <adec:decorative xmlns:adec="http://schemas.microsoft.com/office/drawing/2017/decorative" xmlns="" val="1"/>
               </a:ext>
             </a:extLst>
           </p:cNvPr>
@@ -7715,7 +7715,7 @@
               <a:defRPr/>
             </a:pPr>
             <a:r>
-              <a:rPr lang="en-US" altLang="en-US" sz="3000" dirty="0" err="1" smtClean="0">
+              <a:rPr lang="en-US" altLang="en-US" sz="3000" dirty="0" smtClean="0">
                 <a:solidFill>
                   <a:srgbClr val="FF00FF"/>
                 </a:solidFill>
@@ -7723,16 +7723,6 @@
                 <a:sym typeface="Cabin" charset="0"/>
               </a:rPr>
               <a:t>person</a:t>
-            </a:r>
-            <a:r>
-              <a:rPr lang="en-US" altLang="en-US" sz="3000" dirty="0" err="1" smtClean="0">
-                <a:solidFill>
-                  <a:srgbClr val="FF00FF"/>
-                </a:solidFill>
-                <a:latin typeface="Gill Sans Regular" charset="0"/>
-                <a:sym typeface="Cabin" charset="0"/>
-              </a:rPr>
-              <a:t>_id</a:t>
             </a:r>
             <a:endParaRPr lang="en-US" altLang="en-US" sz="3000" dirty="0">
               <a:solidFill>
@@ -7902,14 +7892,14 @@
               <a:defRPr/>
             </a:pPr>
             <a:r>
-              <a:rPr lang="en-US" altLang="en-US" sz="3000" dirty="0" err="1">
+              <a:rPr lang="en-US" altLang="en-US" sz="3000" dirty="0" smtClean="0">
                 <a:solidFill>
                   <a:srgbClr val="FF00FF"/>
                 </a:solidFill>
                 <a:latin typeface="Gill Sans Regular" charset="0"/>
                 <a:sym typeface="Cabin" charset="0"/>
               </a:rPr>
-              <a:t>course_id</a:t>
+              <a:t>course</a:t>
             </a:r>
             <a:endParaRPr lang="en-US" altLang="en-US" sz="3000" dirty="0">
               <a:solidFill>
@@ -11557,14 +11547,14 @@
               <a:defRPr/>
             </a:pPr>
             <a:r>
-              <a:rPr lang="en-US" altLang="en-US" sz="2400" i="1" dirty="0" err="1" smtClean="0">
+              <a:rPr lang="en-US" altLang="en-US" sz="2400" i="1" dirty="0" smtClean="0">
                 <a:solidFill>
                   <a:srgbClr val="FF40FF"/>
                 </a:solidFill>
                 <a:latin typeface="Gill Sans Regular" charset="0"/>
                 <a:sym typeface="Cabin" charset="0"/>
               </a:rPr>
-              <a:t>course_set</a:t>
+              <a:t>courses</a:t>
             </a:r>
             <a:endParaRPr lang="en-US" altLang="en-US" sz="2400" i="1" dirty="0">
               <a:solidFill>
@@ -11624,8 +11614,8 @@
         </p:nvSpPr>
         <p:spPr>
           <a:xfrm>
-            <a:off x="1667602" y="971550"/>
-            <a:ext cx="8331127" cy="3785652"/>
+            <a:off x="1667602" y="728663"/>
+            <a:ext cx="7220246" cy="4031873"/>
           </a:xfrm>
           <a:prstGeom prst="rect">
             <a:avLst/>
@@ -12322,7 +12312,29 @@
                 <a:ea typeface="Courier" charset="0"/>
                 <a:cs typeface="Courier" charset="0"/>
               </a:rPr>
-              <a:t>    members = </a:t>
+              <a:t> </a:t>
+            </a:r>
+            <a:r>
+              <a:rPr lang="en-US" sz="1600" b="1" dirty="0" smtClean="0">
+                <a:solidFill>
+                  <a:srgbClr val="000000"/>
+                </a:solidFill>
+                <a:latin typeface="Courier" charset="0"/>
+                <a:ea typeface="Courier" charset="0"/>
+                <a:cs typeface="Courier" charset="0"/>
+              </a:rPr>
+              <a:t>   members </a:t>
+            </a:r>
+            <a:r>
+              <a:rPr lang="en-US" sz="1600" b="1" dirty="0">
+                <a:solidFill>
+                  <a:srgbClr val="000000"/>
+                </a:solidFill>
+                <a:latin typeface="Courier" charset="0"/>
+                <a:ea typeface="Courier" charset="0"/>
+                <a:cs typeface="Courier" charset="0"/>
+              </a:rPr>
+              <a:t>= </a:t>
             </a:r>
             <a:r>
               <a:rPr lang="en-US" sz="1600" b="1" dirty="0" err="1">
@@ -12344,11 +12356,24 @@
                 <a:ea typeface="Courier" charset="0"/>
                 <a:cs typeface="Courier" charset="0"/>
               </a:rPr>
-              <a:t>(Person, through=</a:t>
-            </a:r>
+              <a:t>(Person, </a:t>
+            </a:r>
+          </a:p>
+          <a:p>
             <a:r>
               <a:rPr lang="en-US" sz="1600" b="1" dirty="0">
                 <a:solidFill>
+                  <a:srgbClr val="000000"/>
+                </a:solidFill>
+                <a:latin typeface="Courier" charset="0"/>
+                <a:ea typeface="Courier" charset="0"/>
+                <a:cs typeface="Courier" charset="0"/>
+              </a:rPr>
+              <a:t>            through=</a:t>
+            </a:r>
+            <a:r>
+              <a:rPr lang="en-US" sz="1600" b="1" dirty="0">
+                <a:solidFill>
                   <a:srgbClr val="B42419"/>
                 </a:solidFill>
                 <a:latin typeface="Courier" charset="0"/>
@@ -12359,6 +12384,61 @@
             </a:r>
             <a:r>
               <a:rPr lang="en-US" sz="1600" b="1" dirty="0">
+                <a:solidFill>
+                  <a:srgbClr val="000000"/>
+                </a:solidFill>
+                <a:latin typeface="Courier" charset="0"/>
+                <a:ea typeface="Courier" charset="0"/>
+                <a:cs typeface="Courier" charset="0"/>
+              </a:rPr>
+              <a:t>, </a:t>
+            </a:r>
+            <a:r>
+              <a:rPr lang="en-US" sz="1600" b="1" dirty="0" err="1">
+                <a:solidFill>
+                  <a:srgbClr val="000000"/>
+                </a:solidFill>
+                <a:latin typeface="Courier" charset="0"/>
+                <a:ea typeface="Courier" charset="0"/>
+                <a:cs typeface="Courier" charset="0"/>
+              </a:rPr>
+              <a:t>related_name</a:t>
+            </a:r>
+            <a:r>
+              <a:rPr lang="en-US" sz="1600" b="1" dirty="0">
+                <a:solidFill>
+                  <a:srgbClr val="000000"/>
+                </a:solidFill>
+                <a:latin typeface="Courier" charset="0"/>
+                <a:ea typeface="Courier" charset="0"/>
+                <a:cs typeface="Courier" charset="0"/>
+              </a:rPr>
+              <a:t>=</a:t>
+            </a:r>
+            <a:r>
+              <a:rPr lang="en-US" sz="1600" b="1" dirty="0">
+                <a:solidFill>
+                  <a:srgbClr val="B42419"/>
+                </a:solidFill>
+                <a:latin typeface="Courier" charset="0"/>
+                <a:ea typeface="Courier" charset="0"/>
+                <a:cs typeface="Courier" charset="0"/>
+              </a:rPr>
+              <a:t>'courses</a:t>
+            </a:r>
+            <a:r>
+              <a:rPr lang="en-US" sz="1600" b="1" dirty="0" smtClean="0">
+                <a:solidFill>
+                  <a:srgbClr val="B42419"/>
+                </a:solidFill>
+                <a:latin typeface="Courier" charset="0"/>
+                <a:ea typeface="Courier" charset="0"/>
+                <a:cs typeface="Courier" charset="0"/>
+              </a:rPr>
+              <a:t>'</a:t>
+            </a:r>
+            <a:r>
+              <a:rPr lang="en-US" sz="1600" b="1" dirty="0" smtClean="0">
                 <a:solidFill>
                   <a:srgbClr val="000000"/>
                 </a:solidFill>
@@ -14807,7 +14887,7 @@
                 </a:solidFill>
                 <a:latin typeface="Menlo-Regular" charset="0"/>
               </a:rPr>
-              <a:t>p.course_set.values</a:t>
+              <a:t>p.courses.values</a:t>
             </a:r>
             <a:r>
               <a:rPr lang="en-US" dirty="0" smtClean="0">

--- a/lectures/DJ-03-Many-To-Many.pptx
+++ b/lectures/DJ-03-Many-To-Many.pptx
@@ -211,7 +211,7 @@
           <a:p>
             <a:fld id="{C97B56FC-7D2E-F343-9D09-0D14B00AA564}" type="datetimeFigureOut">
               <a:rPr lang="en-US" smtClean="0"/>
-              <a:t>3/18/19</a:t>
+              <a:t>9/10/19</a:t>
             </a:fld>
             <a:endParaRPr lang="en-US"/>
           </a:p>
@@ -1905,7 +1905,7 @@
           <a:p>
             <a:fld id="{EEE7C04C-7AF8-1445-A186-502B631B934F}" type="datetimeFigureOut">
               <a:rPr lang="en-US" smtClean="0"/>
-              <a:t>3/18/19</a:t>
+              <a:t>9/10/19</a:t>
             </a:fld>
             <a:endParaRPr lang="en-US"/>
           </a:p>
@@ -2070,7 +2070,7 @@
           <a:p>
             <a:fld id="{EEE7C04C-7AF8-1445-A186-502B631B934F}" type="datetimeFigureOut">
               <a:rPr lang="en-US" smtClean="0"/>
-              <a:t>3/18/19</a:t>
+              <a:t>9/10/19</a:t>
             </a:fld>
             <a:endParaRPr lang="en-US"/>
           </a:p>
@@ -2245,7 +2245,7 @@
           <a:p>
             <a:fld id="{EEE7C04C-7AF8-1445-A186-502B631B934F}" type="datetimeFigureOut">
               <a:rPr lang="en-US" smtClean="0"/>
-              <a:t>3/18/19</a:t>
+              <a:t>9/10/19</a:t>
             </a:fld>
             <a:endParaRPr lang="en-US"/>
           </a:p>
@@ -2410,7 +2410,7 @@
           <a:p>
             <a:fld id="{EEE7C04C-7AF8-1445-A186-502B631B934F}" type="datetimeFigureOut">
               <a:rPr lang="en-US" smtClean="0"/>
-              <a:t>3/18/19</a:t>
+              <a:t>9/10/19</a:t>
             </a:fld>
             <a:endParaRPr lang="en-US"/>
           </a:p>
@@ -2651,7 +2651,7 @@
           <a:p>
             <a:fld id="{EEE7C04C-7AF8-1445-A186-502B631B934F}" type="datetimeFigureOut">
               <a:rPr lang="en-US" smtClean="0"/>
-              <a:t>3/18/19</a:t>
+              <a:t>9/10/19</a:t>
             </a:fld>
             <a:endParaRPr lang="en-US"/>
           </a:p>
@@ -2878,7 +2878,7 @@
           <a:p>
             <a:fld id="{EEE7C04C-7AF8-1445-A186-502B631B934F}" type="datetimeFigureOut">
               <a:rPr lang="en-US" smtClean="0"/>
-              <a:t>3/18/19</a:t>
+              <a:t>9/10/19</a:t>
             </a:fld>
             <a:endParaRPr lang="en-US"/>
           </a:p>
@@ -3240,7 +3240,7 @@
           <a:p>
             <a:fld id="{EEE7C04C-7AF8-1445-A186-502B631B934F}" type="datetimeFigureOut">
               <a:rPr lang="en-US" smtClean="0"/>
-              <a:t>3/18/19</a:t>
+              <a:t>9/10/19</a:t>
             </a:fld>
             <a:endParaRPr lang="en-US"/>
           </a:p>
@@ -3353,7 +3353,7 @@
           <a:p>
             <a:fld id="{EEE7C04C-7AF8-1445-A186-502B631B934F}" type="datetimeFigureOut">
               <a:rPr lang="en-US" smtClean="0"/>
-              <a:t>3/18/19</a:t>
+              <a:t>9/10/19</a:t>
             </a:fld>
             <a:endParaRPr lang="en-US"/>
           </a:p>
@@ -3443,7 +3443,7 @@
           <a:p>
             <a:fld id="{EEE7C04C-7AF8-1445-A186-502B631B934F}" type="datetimeFigureOut">
               <a:rPr lang="en-US" smtClean="0"/>
-              <a:t>3/18/19</a:t>
+              <a:t>9/10/19</a:t>
             </a:fld>
             <a:endParaRPr lang="en-US"/>
           </a:p>
@@ -3715,7 +3715,7 @@
           <a:p>
             <a:fld id="{EEE7C04C-7AF8-1445-A186-502B631B934F}" type="datetimeFigureOut">
               <a:rPr lang="en-US" smtClean="0"/>
-              <a:t>3/18/19</a:t>
+              <a:t>9/10/19</a:t>
             </a:fld>
             <a:endParaRPr lang="en-US"/>
           </a:p>
@@ -3967,7 +3967,7 @@
           <a:p>
             <a:fld id="{EEE7C04C-7AF8-1445-A186-502B631B934F}" type="datetimeFigureOut">
               <a:rPr lang="en-US" smtClean="0"/>
-              <a:t>3/18/19</a:t>
+              <a:t>9/10/19</a:t>
             </a:fld>
             <a:endParaRPr lang="en-US"/>
           </a:p>
@@ -4175,7 +4175,7 @@
           <a:p>
             <a:fld id="{EEE7C04C-7AF8-1445-A186-502B631B934F}" type="datetimeFigureOut">
               <a:rPr lang="en-US" smtClean="0"/>
-              <a:t>3/18/19</a:t>
+              <a:t>9/10/19</a:t>
             </a:fld>
             <a:endParaRPr lang="en-US"/>
           </a:p>
@@ -4593,10 +4593,10 @@
           <p:cNvPr id="10" name="Rectangle 9">
             <a:extLst>
               <a:ext uri="{FF2B5EF4-FFF2-40B4-BE49-F238E27FC236}">
-                <a16:creationId xmlns="" xmlns:a16="http://schemas.microsoft.com/office/drawing/2014/main" id="{E20EB187-900F-4AF5-813B-101456D9FD39}"/>
+                <a16:creationId xmlns:a16="http://schemas.microsoft.com/office/drawing/2014/main" xmlns="" id="{E20EB187-900F-4AF5-813B-101456D9FD39}"/>
               </a:ext>
               <a:ext uri="{C183D7F6-B498-43B3-948B-1728B52AA6E4}">
-                <adec:decorative xmlns="" xmlns:adec="http://schemas.microsoft.com/office/drawing/2017/decorative" val="1"/>
+                <adec:decorative xmlns:adec="http://schemas.microsoft.com/office/drawing/2017/decorative" xmlns="" val="1"/>
               </a:ext>
             </a:extLst>
           </p:cNvPr>
@@ -4651,36 +4651,6 @@
           </a:p>
         </p:txBody>
       </p:sp>
-      <p:pic>
-        <p:nvPicPr>
-          <p:cNvPr id="4" name="Picture 3"/>
-          <p:cNvPicPr>
-            <a:picLocks noChangeAspect="1"/>
-          </p:cNvPicPr>
-          <p:nvPr/>
-        </p:nvPicPr>
-        <p:blipFill rotWithShape="1">
-          <a:blip r:embed="rId2">
-            <a:alphaModFix amt="50000"/>
-            <a:extLst>
-              <a:ext uri="{28A0092B-C50C-407E-A947-70E740481C1C}">
-                <a14:useLocalDpi xmlns:a14="http://schemas.microsoft.com/office/drawing/2010/main" val="0"/>
-              </a:ext>
-            </a:extLst>
-          </a:blip>
-          <a:srcRect b="2174"/>
-          <a:stretch/>
-        </p:blipFill>
-        <p:spPr>
-          <a:xfrm>
-            <a:off x="20" y="1"/>
-            <a:ext cx="12191980" cy="6857999"/>
-          </a:xfrm>
-          <a:prstGeom prst="rect">
-            <a:avLst/>
-          </a:prstGeom>
-        </p:spPr>
-      </p:pic>
       <p:sp>
         <p:nvSpPr>
           <p:cNvPr id="2" name="Title 1"/>
@@ -4777,10 +4747,10 @@
           <p:cNvPr id="12" name="Straight Connector 11">
             <a:extLst>
               <a:ext uri="{FF2B5EF4-FFF2-40B4-BE49-F238E27FC236}">
-                <a16:creationId xmlns="" xmlns:a16="http://schemas.microsoft.com/office/drawing/2014/main" id="{624D17C8-E9C2-48A4-AA36-D7048A6CCC41}"/>
+                <a16:creationId xmlns:a16="http://schemas.microsoft.com/office/drawing/2014/main" xmlns="" id="{624D17C8-E9C2-48A4-AA36-D7048A6CCC41}"/>
               </a:ext>
               <a:ext uri="{C183D7F6-B498-43B3-948B-1728B52AA6E4}">
-                <adec:decorative xmlns="" xmlns:adec="http://schemas.microsoft.com/office/drawing/2017/decorative" val="1"/>
+                <adec:decorative xmlns:adec="http://schemas.microsoft.com/office/drawing/2017/decorative" xmlns="" val="1"/>
               </a:ext>
             </a:extLst>
           </p:cNvPr>
@@ -4833,7 +4803,7 @@
           <p:nvPr/>
         </p:nvPicPr>
         <p:blipFill>
-          <a:blip r:embed="rId3">
+          <a:blip r:embed="rId2">
             <a:extLst>
               <a:ext uri="{28A0092B-C50C-407E-A947-70E740481C1C}">
                 <a14:useLocalDpi xmlns:a14="http://schemas.microsoft.com/office/drawing/2010/main" val="0"/>
